--- a/trunk/AM24/report and docs/AM24 - presentation.pptx
+++ b/trunk/AM24/report and docs/AM24 - presentation.pptx
@@ -7,6 +7,15 @@
   <p:sldIdLst>
     <p:sldId id="256" r:id="rId2"/>
     <p:sldId id="257" r:id="rId3"/>
+    <p:sldId id="258" r:id="rId4"/>
+    <p:sldId id="259" r:id="rId5"/>
+    <p:sldId id="260" r:id="rId6"/>
+    <p:sldId id="261" r:id="rId7"/>
+    <p:sldId id="262" r:id="rId8"/>
+    <p:sldId id="263" r:id="rId9"/>
+    <p:sldId id="264" r:id="rId10"/>
+    <p:sldId id="265" r:id="rId11"/>
+    <p:sldId id="266" r:id="rId12"/>
   </p:sldIdLst>
   <p:sldSz cx="9144000" cy="6858000" type="screen4x3"/>
   <p:notesSz cx="6858000" cy="9144000"/>
@@ -108,6 +117,659 @@
 </p:presentation>
 </file>
 
+<file path=ppt/charts/chart1.xml><?xml version="1.0" encoding="utf-8"?>
+<c:chartSpace xmlns:c="http://schemas.openxmlformats.org/drawingml/2006/chart" xmlns:a="http://schemas.openxmlformats.org/drawingml/2006/main" xmlns:r="http://schemas.openxmlformats.org/officeDocument/2006/relationships">
+  <c:date1904 val="1"/>
+  <c:lang val="da-DK"/>
+  <c:chart>
+    <c:title>
+      <c:layout/>
+    </c:title>
+    <c:plotArea>
+      <c:layout/>
+      <c:barChart>
+        <c:barDir val="col"/>
+        <c:grouping val="clustered"/>
+        <c:ser>
+          <c:idx val="0"/>
+          <c:order val="0"/>
+          <c:tx>
+            <c:strRef>
+              <c:f>'Ark1'!$A$1</c:f>
+              <c:strCache>
+                <c:ptCount val="1"/>
+                <c:pt idx="0">
+                  <c:v>X/Y P=3x3</c:v>
+                </c:pt>
+              </c:strCache>
+            </c:strRef>
+          </c:tx>
+          <c:cat>
+            <c:strRef>
+              <c:f>'Ark1'!$B$1:$W$1</c:f>
+              <c:strCache>
+                <c:ptCount val="22"/>
+                <c:pt idx="0">
+                  <c:v>1/19 Energy</c:v>
+                </c:pt>
+                <c:pt idx="1">
+                  <c:v>1/19 Time</c:v>
+                </c:pt>
+                <c:pt idx="2">
+                  <c:v>3/17 Energy</c:v>
+                </c:pt>
+                <c:pt idx="3">
+                  <c:v>3/17 Time</c:v>
+                </c:pt>
+                <c:pt idx="4">
+                  <c:v>5/15 Energy</c:v>
+                </c:pt>
+                <c:pt idx="5">
+                  <c:v>5/15 Time</c:v>
+                </c:pt>
+                <c:pt idx="6">
+                  <c:v>7/13 Energy</c:v>
+                </c:pt>
+                <c:pt idx="7">
+                  <c:v>7/13 Time</c:v>
+                </c:pt>
+                <c:pt idx="8">
+                  <c:v>9/11 Energy</c:v>
+                </c:pt>
+                <c:pt idx="9">
+                  <c:v>9/11 Time</c:v>
+                </c:pt>
+                <c:pt idx="10">
+                  <c:v>10/10 Energy</c:v>
+                </c:pt>
+                <c:pt idx="11">
+                  <c:v>10/10 Time</c:v>
+                </c:pt>
+                <c:pt idx="12">
+                  <c:v>11/9 Energy</c:v>
+                </c:pt>
+                <c:pt idx="13">
+                  <c:v>11/9 Time</c:v>
+                </c:pt>
+                <c:pt idx="14">
+                  <c:v>13/7 Energy</c:v>
+                </c:pt>
+                <c:pt idx="15">
+                  <c:v>13/7 Time</c:v>
+                </c:pt>
+                <c:pt idx="16">
+                  <c:v>15/5 Energy</c:v>
+                </c:pt>
+                <c:pt idx="17">
+                  <c:v>15/5 Time</c:v>
+                </c:pt>
+                <c:pt idx="18">
+                  <c:v>17/3 Energy</c:v>
+                </c:pt>
+                <c:pt idx="19">
+                  <c:v>17/3 Time</c:v>
+                </c:pt>
+                <c:pt idx="20">
+                  <c:v>19/1 Energy</c:v>
+                </c:pt>
+                <c:pt idx="21">
+                  <c:v>19/1 Time</c:v>
+                </c:pt>
+              </c:strCache>
+            </c:strRef>
+          </c:cat>
+          <c:val>
+            <c:numRef>
+              <c:f>'Ark1'!$B$11:$W$11</c:f>
+              <c:numCache>
+                <c:formatCode>General</c:formatCode>
+                <c:ptCount val="22"/>
+                <c:pt idx="0">
+                  <c:v>271.14099999999996</c:v>
+                </c:pt>
+                <c:pt idx="1">
+                  <c:v>20.956999999999987</c:v>
+                </c:pt>
+                <c:pt idx="2">
+                  <c:v>231.54749999999999</c:v>
+                </c:pt>
+                <c:pt idx="3">
+                  <c:v>8.6366666666666667</c:v>
+                </c:pt>
+                <c:pt idx="4">
+                  <c:v>231.18928571428572</c:v>
+                </c:pt>
+                <c:pt idx="5">
+                  <c:v>6.6285714285714263</c:v>
+                </c:pt>
+                <c:pt idx="6">
+                  <c:v>263.48249999999985</c:v>
+                </c:pt>
+                <c:pt idx="7">
+                  <c:v>6.5424999999999995</c:v>
+                </c:pt>
+                <c:pt idx="8">
+                  <c:v>261.01</c:v>
+                </c:pt>
+                <c:pt idx="9">
+                  <c:v>5.52</c:v>
+                </c:pt>
+                <c:pt idx="10">
+                  <c:v>279.43099999999964</c:v>
+                </c:pt>
+                <c:pt idx="11">
+                  <c:v>5.5079999999999965</c:v>
+                </c:pt>
+                <c:pt idx="12">
+                  <c:v>301.88916666666671</c:v>
+                </c:pt>
+                <c:pt idx="13">
+                  <c:v>5.7974999999999985</c:v>
+                </c:pt>
+                <c:pt idx="14">
+                  <c:v>391.28071428571423</c:v>
+                </c:pt>
+                <c:pt idx="15">
+                  <c:v>7.1757142857142853</c:v>
+                </c:pt>
+                <c:pt idx="16">
+                  <c:v>511.9914285714284</c:v>
+                </c:pt>
+                <c:pt idx="17">
+                  <c:v>9.5685714285714187</c:v>
+                </c:pt>
+                <c:pt idx="18">
+                  <c:v>741.87071428571437</c:v>
+                </c:pt>
+                <c:pt idx="19">
+                  <c:v>16.702142857142835</c:v>
+                </c:pt>
+                <c:pt idx="20">
+                  <c:v>1304.2149999999999</c:v>
+                </c:pt>
+                <c:pt idx="21">
+                  <c:v>45.297142857142852</c:v>
+                </c:pt>
+              </c:numCache>
+            </c:numRef>
+          </c:val>
+        </c:ser>
+        <c:axId val="34334208"/>
+        <c:axId val="34335744"/>
+      </c:barChart>
+      <c:catAx>
+        <c:axId val="34334208"/>
+        <c:scaling>
+          <c:orientation val="minMax"/>
+        </c:scaling>
+        <c:axPos val="b"/>
+        <c:tickLblPos val="nextTo"/>
+        <c:crossAx val="34335744"/>
+        <c:crosses val="autoZero"/>
+        <c:lblAlgn val="ctr"/>
+        <c:lblOffset val="100"/>
+      </c:catAx>
+      <c:valAx>
+        <c:axId val="34335744"/>
+        <c:scaling>
+          <c:orientation val="minMax"/>
+        </c:scaling>
+        <c:axPos val="l"/>
+        <c:majorGridlines/>
+        <c:numFmt formatCode="General" sourceLinked="1"/>
+        <c:tickLblPos val="nextTo"/>
+        <c:crossAx val="34334208"/>
+        <c:crosses val="autoZero"/>
+        <c:crossBetween val="between"/>
+      </c:valAx>
+    </c:plotArea>
+    <c:legend>
+      <c:legendPos val="r"/>
+      <c:layout/>
+    </c:legend>
+    <c:plotVisOnly val="1"/>
+    <c:dispBlanksAs val="gap"/>
+  </c:chart>
+  <c:externalData r:id="rId1"/>
+</c:chartSpace>
+</file>
+
+<file path=ppt/charts/chart2.xml><?xml version="1.0" encoding="utf-8"?>
+<c:chartSpace xmlns:c="http://schemas.openxmlformats.org/drawingml/2006/chart" xmlns:a="http://schemas.openxmlformats.org/drawingml/2006/main" xmlns:r="http://schemas.openxmlformats.org/officeDocument/2006/relationships">
+  <c:date1904 val="1"/>
+  <c:lang val="da-DK"/>
+  <c:chart>
+    <c:title>
+      <c:layout/>
+    </c:title>
+    <c:plotArea>
+      <c:layout/>
+      <c:barChart>
+        <c:barDir val="col"/>
+        <c:grouping val="clustered"/>
+        <c:ser>
+          <c:idx val="0"/>
+          <c:order val="0"/>
+          <c:tx>
+            <c:strRef>
+              <c:f>'Ark1'!$A$14</c:f>
+              <c:strCache>
+                <c:ptCount val="1"/>
+                <c:pt idx="0">
+                  <c:v>X/Y P=5x5</c:v>
+                </c:pt>
+              </c:strCache>
+            </c:strRef>
+          </c:tx>
+          <c:cat>
+            <c:strRef>
+              <c:f>'Ark1'!$B$1:$W$1</c:f>
+              <c:strCache>
+                <c:ptCount val="22"/>
+                <c:pt idx="0">
+                  <c:v>1/19 Energy</c:v>
+                </c:pt>
+                <c:pt idx="1">
+                  <c:v>1/19 Time</c:v>
+                </c:pt>
+                <c:pt idx="2">
+                  <c:v>3/17 Energy</c:v>
+                </c:pt>
+                <c:pt idx="3">
+                  <c:v>3/17 Time</c:v>
+                </c:pt>
+                <c:pt idx="4">
+                  <c:v>5/15 Energy</c:v>
+                </c:pt>
+                <c:pt idx="5">
+                  <c:v>5/15 Time</c:v>
+                </c:pt>
+                <c:pt idx="6">
+                  <c:v>7/13 Energy</c:v>
+                </c:pt>
+                <c:pt idx="7">
+                  <c:v>7/13 Time</c:v>
+                </c:pt>
+                <c:pt idx="8">
+                  <c:v>9/11 Energy</c:v>
+                </c:pt>
+                <c:pt idx="9">
+                  <c:v>9/11 Time</c:v>
+                </c:pt>
+                <c:pt idx="10">
+                  <c:v>10/10 Energy</c:v>
+                </c:pt>
+                <c:pt idx="11">
+                  <c:v>10/10 Time</c:v>
+                </c:pt>
+                <c:pt idx="12">
+                  <c:v>11/9 Energy</c:v>
+                </c:pt>
+                <c:pt idx="13">
+                  <c:v>11/9 Time</c:v>
+                </c:pt>
+                <c:pt idx="14">
+                  <c:v>13/7 Energy</c:v>
+                </c:pt>
+                <c:pt idx="15">
+                  <c:v>13/7 Time</c:v>
+                </c:pt>
+                <c:pt idx="16">
+                  <c:v>15/5 Energy</c:v>
+                </c:pt>
+                <c:pt idx="17">
+                  <c:v>15/5 Time</c:v>
+                </c:pt>
+                <c:pt idx="18">
+                  <c:v>17/3 Energy</c:v>
+                </c:pt>
+                <c:pt idx="19">
+                  <c:v>17/3 Time</c:v>
+                </c:pt>
+                <c:pt idx="20">
+                  <c:v>19/1 Energy</c:v>
+                </c:pt>
+                <c:pt idx="21">
+                  <c:v>19/1 Time</c:v>
+                </c:pt>
+              </c:strCache>
+            </c:strRef>
+          </c:cat>
+          <c:val>
+            <c:numRef>
+              <c:f>'Ark1'!$B$23:$W$23</c:f>
+              <c:numCache>
+                <c:formatCode>General</c:formatCode>
+                <c:ptCount val="22"/>
+                <c:pt idx="0">
+                  <c:v>290.6883333333335</c:v>
+                </c:pt>
+                <c:pt idx="1">
+                  <c:v>18.903333333333304</c:v>
+                </c:pt>
+                <c:pt idx="2">
+                  <c:v>262.00099999999981</c:v>
+                </c:pt>
+                <c:pt idx="3">
+                  <c:v>9.3130000000000024</c:v>
+                </c:pt>
+                <c:pt idx="4">
+                  <c:v>306.41874999999976</c:v>
+                </c:pt>
+                <c:pt idx="5">
+                  <c:v>6.7362500000000027</c:v>
+                </c:pt>
+                <c:pt idx="6">
+                  <c:v>341.29874999999964</c:v>
+                </c:pt>
+                <c:pt idx="7">
+                  <c:v>6.17</c:v>
+                </c:pt>
+                <c:pt idx="8">
+                  <c:v>418.75900000000001</c:v>
+                </c:pt>
+                <c:pt idx="9">
+                  <c:v>6.8269999999999982</c:v>
+                </c:pt>
+                <c:pt idx="10">
+                  <c:v>450.61666666666679</c:v>
+                </c:pt>
+                <c:pt idx="11">
+                  <c:v>6.5766666666666689</c:v>
+                </c:pt>
+                <c:pt idx="12">
+                  <c:v>555.45699999999965</c:v>
+                </c:pt>
+                <c:pt idx="13">
+                  <c:v>8.31</c:v>
+                </c:pt>
+                <c:pt idx="14">
+                  <c:v>744.0224999999997</c:v>
+                </c:pt>
+                <c:pt idx="15">
+                  <c:v>11.391666666666673</c:v>
+                </c:pt>
+                <c:pt idx="16">
+                  <c:v>838.19299999999998</c:v>
+                </c:pt>
+                <c:pt idx="17">
+                  <c:v>11.335000000000004</c:v>
+                </c:pt>
+                <c:pt idx="18">
+                  <c:v>1070.796</c:v>
+                </c:pt>
+                <c:pt idx="19">
+                  <c:v>16.978999999999989</c:v>
+                </c:pt>
+                <c:pt idx="20">
+                  <c:v>1445.6319999999998</c:v>
+                </c:pt>
+                <c:pt idx="21">
+                  <c:v>43.821000000000005</c:v>
+                </c:pt>
+              </c:numCache>
+            </c:numRef>
+          </c:val>
+        </c:ser>
+        <c:axId val="39814656"/>
+        <c:axId val="39818752"/>
+      </c:barChart>
+      <c:catAx>
+        <c:axId val="39814656"/>
+        <c:scaling>
+          <c:orientation val="minMax"/>
+        </c:scaling>
+        <c:axPos val="b"/>
+        <c:tickLblPos val="nextTo"/>
+        <c:crossAx val="39818752"/>
+        <c:crosses val="autoZero"/>
+        <c:auto val="1"/>
+        <c:lblAlgn val="ctr"/>
+        <c:lblOffset val="100"/>
+      </c:catAx>
+      <c:valAx>
+        <c:axId val="39818752"/>
+        <c:scaling>
+          <c:orientation val="minMax"/>
+        </c:scaling>
+        <c:axPos val="l"/>
+        <c:majorGridlines/>
+        <c:numFmt formatCode="General" sourceLinked="1"/>
+        <c:tickLblPos val="nextTo"/>
+        <c:crossAx val="39814656"/>
+        <c:crosses val="autoZero"/>
+        <c:crossBetween val="between"/>
+      </c:valAx>
+    </c:plotArea>
+    <c:legend>
+      <c:legendPos val="r"/>
+      <c:layout/>
+    </c:legend>
+    <c:plotVisOnly val="1"/>
+    <c:dispBlanksAs val="gap"/>
+  </c:chart>
+  <c:externalData r:id="rId1"/>
+</c:chartSpace>
+</file>
+
+<file path=ppt/charts/chart3.xml><?xml version="1.0" encoding="utf-8"?>
+<c:chartSpace xmlns:c="http://schemas.openxmlformats.org/drawingml/2006/chart" xmlns:a="http://schemas.openxmlformats.org/drawingml/2006/main" xmlns:r="http://schemas.openxmlformats.org/officeDocument/2006/relationships">
+  <c:date1904 val="1"/>
+  <c:lang val="da-DK"/>
+  <c:chart>
+    <c:title>
+      <c:layout/>
+    </c:title>
+    <c:plotArea>
+      <c:layout/>
+      <c:barChart>
+        <c:barDir val="col"/>
+        <c:grouping val="clustered"/>
+        <c:ser>
+          <c:idx val="0"/>
+          <c:order val="0"/>
+          <c:tx>
+            <c:strRef>
+              <c:f>'Ark1'!$A$27</c:f>
+              <c:strCache>
+                <c:ptCount val="1"/>
+                <c:pt idx="0">
+                  <c:v>X/Y P=15x15</c:v>
+                </c:pt>
+              </c:strCache>
+            </c:strRef>
+          </c:tx>
+          <c:cat>
+            <c:strRef>
+              <c:f>'Ark1'!$B$1:$W$1</c:f>
+              <c:strCache>
+                <c:ptCount val="22"/>
+                <c:pt idx="0">
+                  <c:v>1/19 Energy</c:v>
+                </c:pt>
+                <c:pt idx="1">
+                  <c:v>1/19 Time</c:v>
+                </c:pt>
+                <c:pt idx="2">
+                  <c:v>3/17 Energy</c:v>
+                </c:pt>
+                <c:pt idx="3">
+                  <c:v>3/17 Time</c:v>
+                </c:pt>
+                <c:pt idx="4">
+                  <c:v>5/15 Energy</c:v>
+                </c:pt>
+                <c:pt idx="5">
+                  <c:v>5/15 Time</c:v>
+                </c:pt>
+                <c:pt idx="6">
+                  <c:v>7/13 Energy</c:v>
+                </c:pt>
+                <c:pt idx="7">
+                  <c:v>7/13 Time</c:v>
+                </c:pt>
+                <c:pt idx="8">
+                  <c:v>9/11 Energy</c:v>
+                </c:pt>
+                <c:pt idx="9">
+                  <c:v>9/11 Time</c:v>
+                </c:pt>
+                <c:pt idx="10">
+                  <c:v>10/10 Energy</c:v>
+                </c:pt>
+                <c:pt idx="11">
+                  <c:v>10/10 Time</c:v>
+                </c:pt>
+                <c:pt idx="12">
+                  <c:v>11/9 Energy</c:v>
+                </c:pt>
+                <c:pt idx="13">
+                  <c:v>11/9 Time</c:v>
+                </c:pt>
+                <c:pt idx="14">
+                  <c:v>13/7 Energy</c:v>
+                </c:pt>
+                <c:pt idx="15">
+                  <c:v>13/7 Time</c:v>
+                </c:pt>
+                <c:pt idx="16">
+                  <c:v>15/5 Energy</c:v>
+                </c:pt>
+                <c:pt idx="17">
+                  <c:v>15/5 Time</c:v>
+                </c:pt>
+                <c:pt idx="18">
+                  <c:v>17/3 Energy</c:v>
+                </c:pt>
+                <c:pt idx="19">
+                  <c:v>17/3 Time</c:v>
+                </c:pt>
+                <c:pt idx="20">
+                  <c:v>19/1 Energy</c:v>
+                </c:pt>
+                <c:pt idx="21">
+                  <c:v>19/1 Time</c:v>
+                </c:pt>
+              </c:strCache>
+            </c:strRef>
+          </c:cat>
+          <c:val>
+            <c:numRef>
+              <c:f>'Ark1'!$B$36:$W$36</c:f>
+              <c:numCache>
+                <c:formatCode>General</c:formatCode>
+                <c:ptCount val="22"/>
+                <c:pt idx="0">
+                  <c:v>274.11099999999999</c:v>
+                </c:pt>
+                <c:pt idx="1">
+                  <c:v>12.627999999999998</c:v>
+                </c:pt>
+                <c:pt idx="2">
+                  <c:v>382.66500000000002</c:v>
+                </c:pt>
+                <c:pt idx="3">
+                  <c:v>7.9910000000000014</c:v>
+                </c:pt>
+                <c:pt idx="4">
+                  <c:v>405.38083333333367</c:v>
+                </c:pt>
+                <c:pt idx="5">
+                  <c:v>6.0649999999999977</c:v>
+                </c:pt>
+                <c:pt idx="6">
+                  <c:v>586.73</c:v>
+                </c:pt>
+                <c:pt idx="7">
+                  <c:v>7.3289999999999971</c:v>
+                </c:pt>
+                <c:pt idx="8">
+                  <c:v>611.4880000000004</c:v>
+                </c:pt>
+                <c:pt idx="9">
+                  <c:v>6.6839999999999975</c:v>
+                </c:pt>
+                <c:pt idx="10">
+                  <c:v>689.755</c:v>
+                </c:pt>
+                <c:pt idx="11">
+                  <c:v>7.2050000000000001</c:v>
+                </c:pt>
+                <c:pt idx="12">
+                  <c:v>891.553</c:v>
+                </c:pt>
+                <c:pt idx="13">
+                  <c:v>10.749000000000001</c:v>
+                </c:pt>
+                <c:pt idx="14">
+                  <c:v>1027.4324999999999</c:v>
+                </c:pt>
+                <c:pt idx="15">
+                  <c:v>10.37875</c:v>
+                </c:pt>
+                <c:pt idx="16">
+                  <c:v>1218.6079999999999</c:v>
+                </c:pt>
+                <c:pt idx="17">
+                  <c:v>15.268000000000001</c:v>
+                </c:pt>
+                <c:pt idx="18">
+                  <c:v>1563.9449999999999</c:v>
+                </c:pt>
+                <c:pt idx="19">
+                  <c:v>24.535</c:v>
+                </c:pt>
+                <c:pt idx="20">
+                  <c:v>1628.8525</c:v>
+                </c:pt>
+                <c:pt idx="21">
+                  <c:v>45.177500000000002</c:v>
+                </c:pt>
+              </c:numCache>
+            </c:numRef>
+          </c:val>
+        </c:ser>
+        <c:axId val="78116736"/>
+        <c:axId val="78118272"/>
+      </c:barChart>
+      <c:catAx>
+        <c:axId val="78116736"/>
+        <c:scaling>
+          <c:orientation val="minMax"/>
+        </c:scaling>
+        <c:axPos val="b"/>
+        <c:tickLblPos val="nextTo"/>
+        <c:crossAx val="78118272"/>
+        <c:crosses val="autoZero"/>
+        <c:auto val="1"/>
+        <c:lblAlgn val="ctr"/>
+        <c:lblOffset val="100"/>
+      </c:catAx>
+      <c:valAx>
+        <c:axId val="78118272"/>
+        <c:scaling>
+          <c:orientation val="minMax"/>
+        </c:scaling>
+        <c:axPos val="l"/>
+        <c:majorGridlines/>
+        <c:numFmt formatCode="General" sourceLinked="1"/>
+        <c:tickLblPos val="nextTo"/>
+        <c:crossAx val="78116736"/>
+        <c:crosses val="autoZero"/>
+        <c:crossBetween val="between"/>
+      </c:valAx>
+    </c:plotArea>
+    <c:legend>
+      <c:legendPos val="r"/>
+      <c:layout/>
+    </c:legend>
+    <c:plotVisOnly val="1"/>
+    <c:dispBlanksAs val="gap"/>
+  </c:chart>
+  <c:externalData r:id="rId1"/>
+</c:chartSpace>
+</file>
+
 <file path=ppt/slideLayouts/slideLayout1.xml><?xml version="1.0" encoding="utf-8"?>
 <p:sldLayout xmlns:a="http://schemas.openxmlformats.org/drawingml/2006/main" xmlns:r="http://schemas.openxmlformats.org/officeDocument/2006/relationships" xmlns:p="http://schemas.openxmlformats.org/presentationml/2006/main" type="title" preserve="1">
   <p:cSld name="Title Slide">
@@ -289,6 +951,7 @@
           <a:p>
             <a:fld id="{E1E2796B-1EEB-4626-8557-99B1C86D454B}" type="datetimeFigureOut">
               <a:rPr lang="en-US" smtClean="0"/>
+              <a:pPr/>
               <a:t>8/12/2010</a:t>
             </a:fld>
             <a:endParaRPr lang="en-US"/>
@@ -331,7 +994,8 @@
           <a:p>
             <a:fld id="{42E3368E-313F-4933-8428-B3B204247A62}" type="slidenum">
               <a:rPr lang="en-US" smtClean="0"/>
-              <a:t>‹#›</a:t>
+              <a:pPr/>
+              <a:t>‹nr.›</a:t>
             </a:fld>
             <a:endParaRPr lang="en-US"/>
           </a:p>
@@ -340,7 +1004,7 @@
     </p:spTree>
     <p:extLst>
       <p:ext uri="{BB962C8B-B14F-4D97-AF65-F5344CB8AC3E}">
-        <p14:creationId xmlns:p14="http://schemas.microsoft.com/office/powerpoint/2010/main" val="961979"/>
+        <p14:creationId xmlns:p14="http://schemas.microsoft.com/office/powerpoint/2010/main" xmlns="" val="961979"/>
       </p:ext>
     </p:extLst>
   </p:cSld>
@@ -459,6 +1123,7 @@
           <a:p>
             <a:fld id="{E1E2796B-1EEB-4626-8557-99B1C86D454B}" type="datetimeFigureOut">
               <a:rPr lang="en-US" smtClean="0"/>
+              <a:pPr/>
               <a:t>8/12/2010</a:t>
             </a:fld>
             <a:endParaRPr lang="en-US"/>
@@ -501,7 +1166,8 @@
           <a:p>
             <a:fld id="{42E3368E-313F-4933-8428-B3B204247A62}" type="slidenum">
               <a:rPr lang="en-US" smtClean="0"/>
-              <a:t>‹#›</a:t>
+              <a:pPr/>
+              <a:t>‹nr.›</a:t>
             </a:fld>
             <a:endParaRPr lang="en-US"/>
           </a:p>
@@ -510,7 +1176,7 @@
     </p:spTree>
     <p:extLst>
       <p:ext uri="{BB962C8B-B14F-4D97-AF65-F5344CB8AC3E}">
-        <p14:creationId xmlns:p14="http://schemas.microsoft.com/office/powerpoint/2010/main" val="2936633701"/>
+        <p14:creationId xmlns:p14="http://schemas.microsoft.com/office/powerpoint/2010/main" xmlns="" val="2936633701"/>
       </p:ext>
     </p:extLst>
   </p:cSld>
@@ -639,6 +1305,7 @@
           <a:p>
             <a:fld id="{E1E2796B-1EEB-4626-8557-99B1C86D454B}" type="datetimeFigureOut">
               <a:rPr lang="en-US" smtClean="0"/>
+              <a:pPr/>
               <a:t>8/12/2010</a:t>
             </a:fld>
             <a:endParaRPr lang="en-US"/>
@@ -681,7 +1348,8 @@
           <a:p>
             <a:fld id="{42E3368E-313F-4933-8428-B3B204247A62}" type="slidenum">
               <a:rPr lang="en-US" smtClean="0"/>
-              <a:t>‹#›</a:t>
+              <a:pPr/>
+              <a:t>‹nr.›</a:t>
             </a:fld>
             <a:endParaRPr lang="en-US"/>
           </a:p>
@@ -690,7 +1358,7 @@
     </p:spTree>
     <p:extLst>
       <p:ext uri="{BB962C8B-B14F-4D97-AF65-F5344CB8AC3E}">
-        <p14:creationId xmlns:p14="http://schemas.microsoft.com/office/powerpoint/2010/main" val="3126802534"/>
+        <p14:creationId xmlns:p14="http://schemas.microsoft.com/office/powerpoint/2010/main" xmlns="" val="3126802534"/>
       </p:ext>
     </p:extLst>
   </p:cSld>
@@ -809,6 +1477,7 @@
           <a:p>
             <a:fld id="{E1E2796B-1EEB-4626-8557-99B1C86D454B}" type="datetimeFigureOut">
               <a:rPr lang="en-US" smtClean="0"/>
+              <a:pPr/>
               <a:t>8/12/2010</a:t>
             </a:fld>
             <a:endParaRPr lang="en-US"/>
@@ -851,7 +1520,8 @@
           <a:p>
             <a:fld id="{42E3368E-313F-4933-8428-B3B204247A62}" type="slidenum">
               <a:rPr lang="en-US" smtClean="0"/>
-              <a:t>‹#›</a:t>
+              <a:pPr/>
+              <a:t>‹nr.›</a:t>
             </a:fld>
             <a:endParaRPr lang="en-US"/>
           </a:p>
@@ -860,7 +1530,7 @@
     </p:spTree>
     <p:extLst>
       <p:ext uri="{BB962C8B-B14F-4D97-AF65-F5344CB8AC3E}">
-        <p14:creationId xmlns:p14="http://schemas.microsoft.com/office/powerpoint/2010/main" val="442345017"/>
+        <p14:creationId xmlns:p14="http://schemas.microsoft.com/office/powerpoint/2010/main" xmlns="" val="442345017"/>
       </p:ext>
     </p:extLst>
   </p:cSld>
@@ -1055,6 +1725,7 @@
           <a:p>
             <a:fld id="{E1E2796B-1EEB-4626-8557-99B1C86D454B}" type="datetimeFigureOut">
               <a:rPr lang="en-US" smtClean="0"/>
+              <a:pPr/>
               <a:t>8/12/2010</a:t>
             </a:fld>
             <a:endParaRPr lang="en-US"/>
@@ -1097,7 +1768,8 @@
           <a:p>
             <a:fld id="{42E3368E-313F-4933-8428-B3B204247A62}" type="slidenum">
               <a:rPr lang="en-US" smtClean="0"/>
-              <a:t>‹#›</a:t>
+              <a:pPr/>
+              <a:t>‹nr.›</a:t>
             </a:fld>
             <a:endParaRPr lang="en-US"/>
           </a:p>
@@ -1106,7 +1778,7 @@
     </p:spTree>
     <p:extLst>
       <p:ext uri="{BB962C8B-B14F-4D97-AF65-F5344CB8AC3E}">
-        <p14:creationId xmlns:p14="http://schemas.microsoft.com/office/powerpoint/2010/main" val="428598741"/>
+        <p14:creationId xmlns:p14="http://schemas.microsoft.com/office/powerpoint/2010/main" xmlns="" val="428598741"/>
       </p:ext>
     </p:extLst>
   </p:cSld>
@@ -1343,6 +2015,7 @@
           <a:p>
             <a:fld id="{E1E2796B-1EEB-4626-8557-99B1C86D454B}" type="datetimeFigureOut">
               <a:rPr lang="en-US" smtClean="0"/>
+              <a:pPr/>
               <a:t>8/12/2010</a:t>
             </a:fld>
             <a:endParaRPr lang="en-US"/>
@@ -1385,7 +2058,8 @@
           <a:p>
             <a:fld id="{42E3368E-313F-4933-8428-B3B204247A62}" type="slidenum">
               <a:rPr lang="en-US" smtClean="0"/>
-              <a:t>‹#›</a:t>
+              <a:pPr/>
+              <a:t>‹nr.›</a:t>
             </a:fld>
             <a:endParaRPr lang="en-US"/>
           </a:p>
@@ -1394,7 +2068,7 @@
     </p:spTree>
     <p:extLst>
       <p:ext uri="{BB962C8B-B14F-4D97-AF65-F5344CB8AC3E}">
-        <p14:creationId xmlns:p14="http://schemas.microsoft.com/office/powerpoint/2010/main" val="325317646"/>
+        <p14:creationId xmlns:p14="http://schemas.microsoft.com/office/powerpoint/2010/main" xmlns="" val="325317646"/>
       </p:ext>
     </p:extLst>
   </p:cSld>
@@ -1765,6 +2439,7 @@
           <a:p>
             <a:fld id="{E1E2796B-1EEB-4626-8557-99B1C86D454B}" type="datetimeFigureOut">
               <a:rPr lang="en-US" smtClean="0"/>
+              <a:pPr/>
               <a:t>8/12/2010</a:t>
             </a:fld>
             <a:endParaRPr lang="en-US"/>
@@ -1807,7 +2482,8 @@
           <a:p>
             <a:fld id="{42E3368E-313F-4933-8428-B3B204247A62}" type="slidenum">
               <a:rPr lang="en-US" smtClean="0"/>
-              <a:t>‹#›</a:t>
+              <a:pPr/>
+              <a:t>‹nr.›</a:t>
             </a:fld>
             <a:endParaRPr lang="en-US"/>
           </a:p>
@@ -1816,7 +2492,7 @@
     </p:spTree>
     <p:extLst>
       <p:ext uri="{BB962C8B-B14F-4D97-AF65-F5344CB8AC3E}">
-        <p14:creationId xmlns:p14="http://schemas.microsoft.com/office/powerpoint/2010/main" val="763804764"/>
+        <p14:creationId xmlns:p14="http://schemas.microsoft.com/office/powerpoint/2010/main" xmlns="" val="763804764"/>
       </p:ext>
     </p:extLst>
   </p:cSld>
@@ -1883,6 +2559,7 @@
           <a:p>
             <a:fld id="{E1E2796B-1EEB-4626-8557-99B1C86D454B}" type="datetimeFigureOut">
               <a:rPr lang="en-US" smtClean="0"/>
+              <a:pPr/>
               <a:t>8/12/2010</a:t>
             </a:fld>
             <a:endParaRPr lang="en-US"/>
@@ -1925,7 +2602,8 @@
           <a:p>
             <a:fld id="{42E3368E-313F-4933-8428-B3B204247A62}" type="slidenum">
               <a:rPr lang="en-US" smtClean="0"/>
-              <a:t>‹#›</a:t>
+              <a:pPr/>
+              <a:t>‹nr.›</a:t>
             </a:fld>
             <a:endParaRPr lang="en-US"/>
           </a:p>
@@ -1934,7 +2612,7 @@
     </p:spTree>
     <p:extLst>
       <p:ext uri="{BB962C8B-B14F-4D97-AF65-F5344CB8AC3E}">
-        <p14:creationId xmlns:p14="http://schemas.microsoft.com/office/powerpoint/2010/main" val="929340373"/>
+        <p14:creationId xmlns:p14="http://schemas.microsoft.com/office/powerpoint/2010/main" xmlns="" val="929340373"/>
       </p:ext>
     </p:extLst>
   </p:cSld>
@@ -1978,6 +2656,7 @@
           <a:p>
             <a:fld id="{E1E2796B-1EEB-4626-8557-99B1C86D454B}" type="datetimeFigureOut">
               <a:rPr lang="en-US" smtClean="0"/>
+              <a:pPr/>
               <a:t>8/12/2010</a:t>
             </a:fld>
             <a:endParaRPr lang="en-US"/>
@@ -2020,7 +2699,8 @@
           <a:p>
             <a:fld id="{42E3368E-313F-4933-8428-B3B204247A62}" type="slidenum">
               <a:rPr lang="en-US" smtClean="0"/>
-              <a:t>‹#›</a:t>
+              <a:pPr/>
+              <a:t>‹nr.›</a:t>
             </a:fld>
             <a:endParaRPr lang="en-US"/>
           </a:p>
@@ -2029,7 +2709,7 @@
     </p:spTree>
     <p:extLst>
       <p:ext uri="{BB962C8B-B14F-4D97-AF65-F5344CB8AC3E}">
-        <p14:creationId xmlns:p14="http://schemas.microsoft.com/office/powerpoint/2010/main" val="1494890262"/>
+        <p14:creationId xmlns:p14="http://schemas.microsoft.com/office/powerpoint/2010/main" xmlns="" val="1494890262"/>
       </p:ext>
     </p:extLst>
   </p:cSld>
@@ -2255,6 +2935,7 @@
           <a:p>
             <a:fld id="{E1E2796B-1EEB-4626-8557-99B1C86D454B}" type="datetimeFigureOut">
               <a:rPr lang="en-US" smtClean="0"/>
+              <a:pPr/>
               <a:t>8/12/2010</a:t>
             </a:fld>
             <a:endParaRPr lang="en-US"/>
@@ -2297,7 +2978,8 @@
           <a:p>
             <a:fld id="{42E3368E-313F-4933-8428-B3B204247A62}" type="slidenum">
               <a:rPr lang="en-US" smtClean="0"/>
-              <a:t>‹#›</a:t>
+              <a:pPr/>
+              <a:t>‹nr.›</a:t>
             </a:fld>
             <a:endParaRPr lang="en-US"/>
           </a:p>
@@ -2306,7 +2988,7 @@
     </p:spTree>
     <p:extLst>
       <p:ext uri="{BB962C8B-B14F-4D97-AF65-F5344CB8AC3E}">
-        <p14:creationId xmlns:p14="http://schemas.microsoft.com/office/powerpoint/2010/main" val="4122254010"/>
+        <p14:creationId xmlns:p14="http://schemas.microsoft.com/office/powerpoint/2010/main" xmlns="" val="4122254010"/>
       </p:ext>
     </p:extLst>
   </p:cSld>
@@ -2508,6 +3190,7 @@
           <a:p>
             <a:fld id="{E1E2796B-1EEB-4626-8557-99B1C86D454B}" type="datetimeFigureOut">
               <a:rPr lang="en-US" smtClean="0"/>
+              <a:pPr/>
               <a:t>8/12/2010</a:t>
             </a:fld>
             <a:endParaRPr lang="en-US"/>
@@ -2550,7 +3233,8 @@
           <a:p>
             <a:fld id="{42E3368E-313F-4933-8428-B3B204247A62}" type="slidenum">
               <a:rPr lang="en-US" smtClean="0"/>
-              <a:t>‹#›</a:t>
+              <a:pPr/>
+              <a:t>‹nr.›</a:t>
             </a:fld>
             <a:endParaRPr lang="en-US"/>
           </a:p>
@@ -2559,7 +3243,7 @@
     </p:spTree>
     <p:extLst>
       <p:ext uri="{BB962C8B-B14F-4D97-AF65-F5344CB8AC3E}">
-        <p14:creationId xmlns:p14="http://schemas.microsoft.com/office/powerpoint/2010/main" val="3845958477"/>
+        <p14:creationId xmlns:p14="http://schemas.microsoft.com/office/powerpoint/2010/main" xmlns="" val="3845958477"/>
       </p:ext>
     </p:extLst>
   </p:cSld>
@@ -2721,6 +3405,7 @@
           <a:p>
             <a:fld id="{E1E2796B-1EEB-4626-8557-99B1C86D454B}" type="datetimeFigureOut">
               <a:rPr lang="en-US" smtClean="0"/>
+              <a:pPr/>
               <a:t>8/12/2010</a:t>
             </a:fld>
             <a:endParaRPr lang="en-US"/>
@@ -2799,7 +3484,8 @@
           <a:p>
             <a:fld id="{42E3368E-313F-4933-8428-B3B204247A62}" type="slidenum">
               <a:rPr lang="en-US" smtClean="0"/>
-              <a:t>‹#›</a:t>
+              <a:pPr/>
+              <a:t>‹nr.›</a:t>
             </a:fld>
             <a:endParaRPr lang="en-US"/>
           </a:p>
@@ -2808,7 +3494,7 @@
     </p:spTree>
     <p:extLst>
       <p:ext uri="{BB962C8B-B14F-4D97-AF65-F5344CB8AC3E}">
-        <p14:creationId xmlns:p14="http://schemas.microsoft.com/office/powerpoint/2010/main" val="2901178055"/>
+        <p14:creationId xmlns:p14="http://schemas.microsoft.com/office/powerpoint/2010/main" xmlns="" val="2901178055"/>
       </p:ext>
     </p:extLst>
   </p:cSld>
@@ -3147,9 +3833,155 @@
     </p:spTree>
     <p:extLst>
       <p:ext uri="{BB962C8B-B14F-4D97-AF65-F5344CB8AC3E}">
-        <p14:creationId xmlns:p14="http://schemas.microsoft.com/office/powerpoint/2010/main" val="713264880"/>
+        <p14:creationId xmlns:p14="http://schemas.microsoft.com/office/powerpoint/2010/main" xmlns="" val="713264880"/>
       </p:ext>
     </p:extLst>
+  </p:cSld>
+  <p:clrMapOvr>
+    <a:masterClrMapping/>
+  </p:clrMapOvr>
+</p:sld>
+</file>
+
+<file path=ppt/slides/slide10.xml><?xml version="1.0" encoding="utf-8"?>
+<p:sld xmlns:a="http://schemas.openxmlformats.org/drawingml/2006/main" xmlns:r="http://schemas.openxmlformats.org/officeDocument/2006/relationships" xmlns:p="http://schemas.openxmlformats.org/presentationml/2006/main">
+  <p:cSld>
+    <p:spTree>
+      <p:nvGrpSpPr>
+        <p:cNvPr id="1" name=""/>
+        <p:cNvGrpSpPr/>
+        <p:nvPr/>
+      </p:nvGrpSpPr>
+      <p:grpSpPr>
+        <a:xfrm>
+          <a:off x="0" y="0"/>
+          <a:ext cx="0" cy="0"/>
+          <a:chOff x="0" y="0"/>
+          <a:chExt cx="0" cy="0"/>
+        </a:xfrm>
+      </p:grpSpPr>
+      <p:sp>
+        <p:nvSpPr>
+          <p:cNvPr id="2" name="Titel 1"/>
+          <p:cNvSpPr>
+            <a:spLocks noGrp="1"/>
+          </p:cNvSpPr>
+          <p:nvPr>
+            <p:ph type="title"/>
+          </p:nvPr>
+        </p:nvSpPr>
+        <p:spPr/>
+        <p:txBody>
+          <a:bodyPr/>
+          <a:lstStyle/>
+          <a:p>
+            <a:endParaRPr lang="da-DK"/>
+          </a:p>
+        </p:txBody>
+      </p:sp>
+      <p:sp>
+        <p:nvSpPr>
+          <p:cNvPr id="3" name="Pladsholder til indhold 2"/>
+          <p:cNvSpPr>
+            <a:spLocks noGrp="1"/>
+          </p:cNvSpPr>
+          <p:nvPr>
+            <p:ph idx="1"/>
+          </p:nvPr>
+        </p:nvSpPr>
+        <p:spPr/>
+        <p:txBody>
+          <a:bodyPr/>
+          <a:lstStyle/>
+          <a:p>
+            <a:endParaRPr lang="da-DK"/>
+          </a:p>
+        </p:txBody>
+      </p:sp>
+      <p:graphicFrame>
+        <p:nvGraphicFramePr>
+          <p:cNvPr id="5" name="Chart 13"/>
+          <p:cNvGraphicFramePr/>
+          <p:nvPr/>
+        </p:nvGraphicFramePr>
+        <p:xfrm>
+          <a:off x="1511935" y="2005757"/>
+          <a:ext cx="6120130" cy="2846486"/>
+        </p:xfrm>
+        <a:graphic>
+          <a:graphicData uri="http://schemas.openxmlformats.org/drawingml/2006/chart">
+            <c:chart xmlns:c="http://schemas.openxmlformats.org/drawingml/2006/chart" xmlns:r="http://schemas.openxmlformats.org/officeDocument/2006/relationships" r:id="rId2"/>
+          </a:graphicData>
+        </a:graphic>
+      </p:graphicFrame>
+    </p:spTree>
+  </p:cSld>
+  <p:clrMapOvr>
+    <a:masterClrMapping/>
+  </p:clrMapOvr>
+</p:sld>
+</file>
+
+<file path=ppt/slides/slide11.xml><?xml version="1.0" encoding="utf-8"?>
+<p:sld xmlns:a="http://schemas.openxmlformats.org/drawingml/2006/main" xmlns:r="http://schemas.openxmlformats.org/officeDocument/2006/relationships" xmlns:p="http://schemas.openxmlformats.org/presentationml/2006/main">
+  <p:cSld>
+    <p:spTree>
+      <p:nvGrpSpPr>
+        <p:cNvPr id="1" name=""/>
+        <p:cNvGrpSpPr/>
+        <p:nvPr/>
+      </p:nvGrpSpPr>
+      <p:grpSpPr>
+        <a:xfrm>
+          <a:off x="0" y="0"/>
+          <a:ext cx="0" cy="0"/>
+          <a:chOff x="0" y="0"/>
+          <a:chExt cx="0" cy="0"/>
+        </a:xfrm>
+      </p:grpSpPr>
+      <p:sp>
+        <p:nvSpPr>
+          <p:cNvPr id="2" name="Titel 1"/>
+          <p:cNvSpPr>
+            <a:spLocks noGrp="1"/>
+          </p:cNvSpPr>
+          <p:nvPr>
+            <p:ph type="title"/>
+          </p:nvPr>
+        </p:nvSpPr>
+        <p:spPr/>
+        <p:txBody>
+          <a:bodyPr/>
+          <a:lstStyle/>
+          <a:p>
+            <a:r>
+              <a:rPr lang="sv-SE" dirty="0" smtClean="0"/>
+              <a:t>Questions?</a:t>
+            </a:r>
+            <a:endParaRPr lang="da-DK" dirty="0"/>
+          </a:p>
+        </p:txBody>
+      </p:sp>
+      <p:sp>
+        <p:nvSpPr>
+          <p:cNvPr id="3" name="Pladsholder til indhold 2"/>
+          <p:cNvSpPr>
+            <a:spLocks noGrp="1"/>
+          </p:cNvSpPr>
+          <p:nvPr>
+            <p:ph idx="1"/>
+          </p:nvPr>
+        </p:nvSpPr>
+        <p:spPr/>
+        <p:txBody>
+          <a:bodyPr/>
+          <a:lstStyle/>
+          <a:p>
+            <a:endParaRPr lang="da-DK"/>
+          </a:p>
+        </p:txBody>
+      </p:sp>
+    </p:spTree>
   </p:cSld>
   <p:clrMapOvr>
     <a:masterClrMapping/>
@@ -3212,16 +4044,708 @@
           <a:bodyPr/>
           <a:lstStyle/>
           <a:p>
-            <a:endParaRPr lang="en-US" dirty="0"/>
+            <a:r>
+              <a:rPr lang="en-US" dirty="0" smtClean="0"/>
+              <a:t>Introduction</a:t>
+            </a:r>
+          </a:p>
+          <a:p>
+            <a:r>
+              <a:rPr lang="en-US" dirty="0" smtClean="0"/>
+              <a:t>Design</a:t>
+            </a:r>
+            <a:endParaRPr lang="en-US" dirty="0" smtClean="0"/>
+          </a:p>
+          <a:p>
+            <a:r>
+              <a:rPr lang="en-US" dirty="0" smtClean="0"/>
+              <a:t>Explorer Agent</a:t>
+            </a:r>
+          </a:p>
+          <a:p>
+            <a:r>
+              <a:rPr lang="en-US" dirty="0" smtClean="0"/>
+              <a:t>Transporter Agent</a:t>
+            </a:r>
+          </a:p>
+          <a:p>
+            <a:r>
+              <a:rPr lang="en-US" dirty="0" smtClean="0"/>
+              <a:t>Communication</a:t>
+            </a:r>
+          </a:p>
+          <a:p>
+            <a:r>
+              <a:rPr lang="en-US" dirty="0" smtClean="0"/>
+              <a:t>Experiments</a:t>
+            </a:r>
           </a:p>
         </p:txBody>
       </p:sp>
     </p:spTree>
     <p:extLst>
       <p:ext uri="{BB962C8B-B14F-4D97-AF65-F5344CB8AC3E}">
-        <p14:creationId xmlns:p14="http://schemas.microsoft.com/office/powerpoint/2010/main" val="3979159548"/>
+        <p14:creationId xmlns:p14="http://schemas.microsoft.com/office/powerpoint/2010/main" xmlns="" val="3979159548"/>
       </p:ext>
     </p:extLst>
+  </p:cSld>
+  <p:clrMapOvr>
+    <a:masterClrMapping/>
+  </p:clrMapOvr>
+</p:sld>
+</file>
+
+<file path=ppt/slides/slide3.xml><?xml version="1.0" encoding="utf-8"?>
+<p:sld xmlns:a="http://schemas.openxmlformats.org/drawingml/2006/main" xmlns:r="http://schemas.openxmlformats.org/officeDocument/2006/relationships" xmlns:p="http://schemas.openxmlformats.org/presentationml/2006/main">
+  <p:cSld>
+    <p:spTree>
+      <p:nvGrpSpPr>
+        <p:cNvPr id="1" name=""/>
+        <p:cNvGrpSpPr/>
+        <p:nvPr/>
+      </p:nvGrpSpPr>
+      <p:grpSpPr>
+        <a:xfrm>
+          <a:off x="0" y="0"/>
+          <a:ext cx="0" cy="0"/>
+          <a:chOff x="0" y="0"/>
+          <a:chExt cx="0" cy="0"/>
+        </a:xfrm>
+      </p:grpSpPr>
+      <p:sp>
+        <p:nvSpPr>
+          <p:cNvPr id="2" name="Titel 1"/>
+          <p:cNvSpPr>
+            <a:spLocks noGrp="1"/>
+          </p:cNvSpPr>
+          <p:nvPr>
+            <p:ph type="title"/>
+          </p:nvPr>
+        </p:nvSpPr>
+        <p:spPr/>
+        <p:txBody>
+          <a:bodyPr/>
+          <a:lstStyle/>
+          <a:p>
+            <a:r>
+              <a:rPr lang="sv-SE" dirty="0" smtClean="0"/>
+              <a:t>Introduction</a:t>
+            </a:r>
+            <a:endParaRPr lang="da-DK" dirty="0"/>
+          </a:p>
+        </p:txBody>
+      </p:sp>
+      <p:sp>
+        <p:nvSpPr>
+          <p:cNvPr id="3" name="Pladsholder til indhold 2"/>
+          <p:cNvSpPr>
+            <a:spLocks noGrp="1"/>
+          </p:cNvSpPr>
+          <p:nvPr>
+            <p:ph idx="1"/>
+          </p:nvPr>
+        </p:nvSpPr>
+        <p:spPr/>
+        <p:txBody>
+          <a:bodyPr/>
+          <a:lstStyle/>
+          <a:p>
+            <a:r>
+              <a:rPr lang="sv-SE" dirty="0" smtClean="0"/>
+              <a:t>The Assignment</a:t>
+            </a:r>
+          </a:p>
+          <a:p>
+            <a:r>
+              <a:rPr lang="sv-SE" dirty="0" smtClean="0"/>
+              <a:t>The Agent Software Demonstration</a:t>
+            </a:r>
+          </a:p>
+        </p:txBody>
+      </p:sp>
+    </p:spTree>
+  </p:cSld>
+  <p:clrMapOvr>
+    <a:masterClrMapping/>
+  </p:clrMapOvr>
+</p:sld>
+</file>
+
+<file path=ppt/slides/slide4.xml><?xml version="1.0" encoding="utf-8"?>
+<p:sld xmlns:a="http://schemas.openxmlformats.org/drawingml/2006/main" xmlns:r="http://schemas.openxmlformats.org/officeDocument/2006/relationships" xmlns:p="http://schemas.openxmlformats.org/presentationml/2006/main">
+  <p:cSld>
+    <p:spTree>
+      <p:nvGrpSpPr>
+        <p:cNvPr id="1" name=""/>
+        <p:cNvGrpSpPr/>
+        <p:nvPr/>
+      </p:nvGrpSpPr>
+      <p:grpSpPr>
+        <a:xfrm>
+          <a:off x="0" y="0"/>
+          <a:ext cx="0" cy="0"/>
+          <a:chOff x="0" y="0"/>
+          <a:chExt cx="0" cy="0"/>
+        </a:xfrm>
+      </p:grpSpPr>
+      <p:sp>
+        <p:nvSpPr>
+          <p:cNvPr id="2" name="Titel 1"/>
+          <p:cNvSpPr>
+            <a:spLocks noGrp="1"/>
+          </p:cNvSpPr>
+          <p:nvPr>
+            <p:ph type="title"/>
+          </p:nvPr>
+        </p:nvSpPr>
+        <p:spPr/>
+        <p:txBody>
+          <a:bodyPr/>
+          <a:lstStyle/>
+          <a:p>
+            <a:r>
+              <a:rPr lang="sv-SE" dirty="0" smtClean="0"/>
+              <a:t>Design</a:t>
+            </a:r>
+            <a:endParaRPr lang="da-DK" dirty="0"/>
+          </a:p>
+        </p:txBody>
+      </p:sp>
+      <p:sp>
+        <p:nvSpPr>
+          <p:cNvPr id="3" name="Pladsholder til indhold 2"/>
+          <p:cNvSpPr>
+            <a:spLocks noGrp="1"/>
+          </p:cNvSpPr>
+          <p:nvPr>
+            <p:ph idx="1"/>
+          </p:nvPr>
+        </p:nvSpPr>
+        <p:spPr/>
+        <p:txBody>
+          <a:bodyPr/>
+          <a:lstStyle/>
+          <a:p>
+            <a:r>
+              <a:rPr lang="en-US" dirty="0" smtClean="0"/>
+              <a:t>Overall design of the agent system</a:t>
+            </a:r>
+          </a:p>
+          <a:p>
+            <a:pPr lvl="1"/>
+            <a:r>
+              <a:rPr lang="en-US" dirty="0" smtClean="0"/>
+              <a:t>Environment</a:t>
+            </a:r>
+          </a:p>
+          <a:p>
+            <a:pPr lvl="1"/>
+            <a:r>
+              <a:rPr lang="en-US" dirty="0" smtClean="0"/>
+              <a:t>Base</a:t>
+            </a:r>
+          </a:p>
+          <a:p>
+            <a:pPr lvl="1"/>
+            <a:r>
+              <a:rPr lang="en-US" dirty="0" smtClean="0"/>
+              <a:t>Explorer</a:t>
+            </a:r>
+          </a:p>
+          <a:p>
+            <a:pPr lvl="1"/>
+            <a:r>
+              <a:rPr lang="en-US" dirty="0" smtClean="0"/>
+              <a:t>Transporter</a:t>
+            </a:r>
+          </a:p>
+          <a:p>
+            <a:pPr>
+              <a:buNone/>
+            </a:pPr>
+            <a:endParaRPr lang="en-US" dirty="0" smtClean="0"/>
+          </a:p>
+          <a:p>
+            <a:endParaRPr lang="en-US" dirty="0"/>
+          </a:p>
+        </p:txBody>
+      </p:sp>
+    </p:spTree>
+  </p:cSld>
+  <p:clrMapOvr>
+    <a:masterClrMapping/>
+  </p:clrMapOvr>
+</p:sld>
+</file>
+
+<file path=ppt/slides/slide5.xml><?xml version="1.0" encoding="utf-8"?>
+<p:sld xmlns:a="http://schemas.openxmlformats.org/drawingml/2006/main" xmlns:r="http://schemas.openxmlformats.org/officeDocument/2006/relationships" xmlns:p="http://schemas.openxmlformats.org/presentationml/2006/main">
+  <p:cSld>
+    <p:spTree>
+      <p:nvGrpSpPr>
+        <p:cNvPr id="1" name=""/>
+        <p:cNvGrpSpPr/>
+        <p:nvPr/>
+      </p:nvGrpSpPr>
+      <p:grpSpPr>
+        <a:xfrm>
+          <a:off x="0" y="0"/>
+          <a:ext cx="0" cy="0"/>
+          <a:chOff x="0" y="0"/>
+          <a:chExt cx="0" cy="0"/>
+        </a:xfrm>
+      </p:grpSpPr>
+      <p:sp>
+        <p:nvSpPr>
+          <p:cNvPr id="2" name="Titel 1"/>
+          <p:cNvSpPr>
+            <a:spLocks noGrp="1"/>
+          </p:cNvSpPr>
+          <p:nvPr>
+            <p:ph type="title"/>
+          </p:nvPr>
+        </p:nvSpPr>
+        <p:spPr/>
+        <p:txBody>
+          <a:bodyPr/>
+          <a:lstStyle/>
+          <a:p>
+            <a:r>
+              <a:rPr lang="sv-SE" dirty="0" smtClean="0"/>
+              <a:t>Explorer Agent</a:t>
+            </a:r>
+            <a:endParaRPr lang="da-DK" dirty="0"/>
+          </a:p>
+        </p:txBody>
+      </p:sp>
+      <p:sp>
+        <p:nvSpPr>
+          <p:cNvPr id="3" name="Pladsholder til indhold 2"/>
+          <p:cNvSpPr>
+            <a:spLocks noGrp="1"/>
+          </p:cNvSpPr>
+          <p:nvPr>
+            <p:ph idx="1"/>
+          </p:nvPr>
+        </p:nvSpPr>
+        <p:spPr/>
+        <p:txBody>
+          <a:bodyPr/>
+          <a:lstStyle/>
+          <a:p>
+            <a:r>
+              <a:rPr lang="sv-SE" dirty="0" smtClean="0"/>
+              <a:t>Behaviors</a:t>
+            </a:r>
+          </a:p>
+          <a:p>
+            <a:r>
+              <a:rPr lang="sv-SE" dirty="0" smtClean="0"/>
+              <a:t>Queue</a:t>
+            </a:r>
+          </a:p>
+          <a:p>
+            <a:endParaRPr lang="da-DK" dirty="0"/>
+          </a:p>
+        </p:txBody>
+      </p:sp>
+      <p:pic>
+        <p:nvPicPr>
+          <p:cNvPr id="4" name="Picture 9"/>
+          <p:cNvPicPr/>
+          <p:nvPr/>
+        </p:nvPicPr>
+        <p:blipFill>
+          <a:blip r:embed="rId2" cstate="print">
+            <a:extLst>
+              <a:ext uri="{28A0092B-C50C-407E-A947-70E740481C1C}">
+                <a14:useLocalDpi xmlns="" xmlns:wpc="http://schemas.microsoft.com/office/word/2010/wordprocessingCanvas" xmlns:mc="http://schemas.openxmlformats.org/markup-compatibility/2006" xmlns:o="urn:schemas-microsoft-com:office:office" xmlns:m="http://schemas.openxmlformats.org/officeDocument/2006/math" xmlns:v="urn:schemas-microsoft-com:vml" xmlns:wp14="http://schemas.microsoft.com/office/word/2010/wordprocessingDrawing" xmlns:wp="http://schemas.openxmlformats.org/drawingml/2006/wordprocessingDrawing" xmlns:w10="urn:schemas-microsoft-com:office:word" xmlns:w="http://schemas.openxmlformats.org/wordprocessingml/2006/main" xmlns:w14="http://schemas.microsoft.com/office/word/2010/wordml" xmlns:wpg="http://schemas.microsoft.com/office/word/2010/wordprocessingGroup" xmlns:wpi="http://schemas.microsoft.com/office/word/2010/wordprocessingInk" xmlns:wne="http://schemas.microsoft.com/office/word/2006/wordml" xmlns:wps="http://schemas.microsoft.com/office/word/2010/wordprocessingShape" xmlns:a14="http://schemas.microsoft.com/office/drawing/2010/main" xmlns:pic="http://schemas.openxmlformats.org/drawingml/2006/picture" xmlns:lc="http://schemas.openxmlformats.org/drawingml/2006/lockedCanvas" val="0"/>
+              </a:ext>
+            </a:extLst>
+          </a:blip>
+          <a:srcRect/>
+          <a:stretch>
+            <a:fillRect/>
+          </a:stretch>
+        </p:blipFill>
+        <p:spPr bwMode="auto">
+          <a:xfrm>
+            <a:off x="3275856" y="1916832"/>
+            <a:ext cx="4391173" cy="4343549"/>
+          </a:xfrm>
+          <a:prstGeom prst="rect">
+            <a:avLst/>
+          </a:prstGeom>
+          <a:noFill/>
+          <a:ln>
+            <a:noFill/>
+          </a:ln>
+        </p:spPr>
+      </p:pic>
+    </p:spTree>
+  </p:cSld>
+  <p:clrMapOvr>
+    <a:masterClrMapping/>
+  </p:clrMapOvr>
+</p:sld>
+</file>
+
+<file path=ppt/slides/slide6.xml><?xml version="1.0" encoding="utf-8"?>
+<p:sld xmlns:a="http://schemas.openxmlformats.org/drawingml/2006/main" xmlns:r="http://schemas.openxmlformats.org/officeDocument/2006/relationships" xmlns:p="http://schemas.openxmlformats.org/presentationml/2006/main">
+  <p:cSld>
+    <p:spTree>
+      <p:nvGrpSpPr>
+        <p:cNvPr id="1" name=""/>
+        <p:cNvGrpSpPr/>
+        <p:nvPr/>
+      </p:nvGrpSpPr>
+      <p:grpSpPr>
+        <a:xfrm>
+          <a:off x="0" y="0"/>
+          <a:ext cx="0" cy="0"/>
+          <a:chOff x="0" y="0"/>
+          <a:chExt cx="0" cy="0"/>
+        </a:xfrm>
+      </p:grpSpPr>
+      <p:sp>
+        <p:nvSpPr>
+          <p:cNvPr id="2" name="Titel 1"/>
+          <p:cNvSpPr>
+            <a:spLocks noGrp="1"/>
+          </p:cNvSpPr>
+          <p:nvPr>
+            <p:ph type="title"/>
+          </p:nvPr>
+        </p:nvSpPr>
+        <p:spPr/>
+        <p:txBody>
+          <a:bodyPr/>
+          <a:lstStyle/>
+          <a:p>
+            <a:r>
+              <a:rPr lang="sv-SE" dirty="0" smtClean="0"/>
+              <a:t>Explorer Agent Cont.</a:t>
+            </a:r>
+            <a:endParaRPr lang="da-DK" dirty="0"/>
+          </a:p>
+        </p:txBody>
+      </p:sp>
+      <p:sp>
+        <p:nvSpPr>
+          <p:cNvPr id="3" name="Pladsholder til indhold 2"/>
+          <p:cNvSpPr>
+            <a:spLocks noGrp="1"/>
+          </p:cNvSpPr>
+          <p:nvPr>
+            <p:ph idx="1"/>
+          </p:nvPr>
+        </p:nvSpPr>
+        <p:spPr/>
+        <p:txBody>
+          <a:bodyPr/>
+          <a:lstStyle/>
+          <a:p>
+            <a:r>
+              <a:rPr lang="sv-SE" dirty="0" smtClean="0"/>
+              <a:t>Perception method</a:t>
+            </a:r>
+          </a:p>
+          <a:p>
+            <a:endParaRPr lang="da-DK" dirty="0"/>
+          </a:p>
+        </p:txBody>
+      </p:sp>
+    </p:spTree>
+  </p:cSld>
+  <p:clrMapOvr>
+    <a:masterClrMapping/>
+  </p:clrMapOvr>
+</p:sld>
+</file>
+
+<file path=ppt/slides/slide7.xml><?xml version="1.0" encoding="utf-8"?>
+<p:sld xmlns:a="http://schemas.openxmlformats.org/drawingml/2006/main" xmlns:r="http://schemas.openxmlformats.org/officeDocument/2006/relationships" xmlns:p="http://schemas.openxmlformats.org/presentationml/2006/main">
+  <p:cSld>
+    <p:spTree>
+      <p:nvGrpSpPr>
+        <p:cNvPr id="1" name=""/>
+        <p:cNvGrpSpPr/>
+        <p:nvPr/>
+      </p:nvGrpSpPr>
+      <p:grpSpPr>
+        <a:xfrm>
+          <a:off x="0" y="0"/>
+          <a:ext cx="0" cy="0"/>
+          <a:chOff x="0" y="0"/>
+          <a:chExt cx="0" cy="0"/>
+        </a:xfrm>
+      </p:grpSpPr>
+      <p:sp>
+        <p:nvSpPr>
+          <p:cNvPr id="2" name="Titel 1"/>
+          <p:cNvSpPr>
+            <a:spLocks noGrp="1"/>
+          </p:cNvSpPr>
+          <p:nvPr>
+            <p:ph type="title"/>
+          </p:nvPr>
+        </p:nvSpPr>
+        <p:spPr/>
+        <p:txBody>
+          <a:bodyPr/>
+          <a:lstStyle/>
+          <a:p>
+            <a:r>
+              <a:rPr lang="sv-SE" dirty="0" smtClean="0"/>
+              <a:t>Transporter Agent</a:t>
+            </a:r>
+            <a:endParaRPr lang="da-DK" dirty="0"/>
+          </a:p>
+        </p:txBody>
+      </p:sp>
+      <p:sp>
+        <p:nvSpPr>
+          <p:cNvPr id="3" name="Pladsholder til indhold 2"/>
+          <p:cNvSpPr>
+            <a:spLocks noGrp="1"/>
+          </p:cNvSpPr>
+          <p:nvPr>
+            <p:ph idx="1"/>
+          </p:nvPr>
+        </p:nvSpPr>
+        <p:spPr/>
+        <p:txBody>
+          <a:bodyPr/>
+          <a:lstStyle/>
+          <a:p>
+            <a:r>
+              <a:rPr lang="sv-SE" dirty="0" smtClean="0"/>
+              <a:t>Moving</a:t>
+            </a:r>
+          </a:p>
+          <a:p>
+            <a:r>
+              <a:rPr lang="sv-SE" dirty="0" smtClean="0"/>
+              <a:t>Job decision</a:t>
+            </a:r>
+          </a:p>
+          <a:p>
+            <a:r>
+              <a:rPr lang="sv-SE" dirty="0" smtClean="0"/>
+              <a:t>Energy usage</a:t>
+            </a:r>
+          </a:p>
+          <a:p>
+            <a:r>
+              <a:rPr lang="sv-SE" dirty="0" smtClean="0"/>
+              <a:t>Messaging</a:t>
+            </a:r>
+            <a:endParaRPr lang="da-DK" dirty="0"/>
+          </a:p>
+        </p:txBody>
+      </p:sp>
+      <p:pic>
+        <p:nvPicPr>
+          <p:cNvPr id="5" name="Picture 8"/>
+          <p:cNvPicPr/>
+          <p:nvPr/>
+        </p:nvPicPr>
+        <p:blipFill>
+          <a:blip r:embed="rId2" cstate="print">
+            <a:extLst>
+              <a:ext uri="{28A0092B-C50C-407E-A947-70E740481C1C}">
+                <a14:useLocalDpi xmlns="" xmlns:wpc="http://schemas.microsoft.com/office/word/2010/wordprocessingCanvas" xmlns:mc="http://schemas.openxmlformats.org/markup-compatibility/2006" xmlns:o="urn:schemas-microsoft-com:office:office" xmlns:m="http://schemas.openxmlformats.org/officeDocument/2006/math" xmlns:v="urn:schemas-microsoft-com:vml" xmlns:wp14="http://schemas.microsoft.com/office/word/2010/wordprocessingDrawing" xmlns:wp="http://schemas.openxmlformats.org/drawingml/2006/wordprocessingDrawing" xmlns:w10="urn:schemas-microsoft-com:office:word" xmlns:w="http://schemas.openxmlformats.org/wordprocessingml/2006/main" xmlns:w14="http://schemas.microsoft.com/office/word/2010/wordml" xmlns:wpg="http://schemas.microsoft.com/office/word/2010/wordprocessingGroup" xmlns:wpi="http://schemas.microsoft.com/office/word/2010/wordprocessingInk" xmlns:wne="http://schemas.microsoft.com/office/word/2006/wordml" xmlns:wps="http://schemas.microsoft.com/office/word/2010/wordprocessingShape" xmlns:a14="http://schemas.microsoft.com/office/drawing/2010/main" xmlns:pic="http://schemas.openxmlformats.org/drawingml/2006/picture" xmlns:lc="http://schemas.openxmlformats.org/drawingml/2006/lockedCanvas" val="0"/>
+              </a:ext>
+            </a:extLst>
+          </a:blip>
+          <a:srcRect/>
+          <a:stretch>
+            <a:fillRect/>
+          </a:stretch>
+        </p:blipFill>
+        <p:spPr bwMode="auto">
+          <a:xfrm>
+            <a:off x="6156176" y="2420888"/>
+            <a:ext cx="2207121" cy="3725495"/>
+          </a:xfrm>
+          <a:prstGeom prst="rect">
+            <a:avLst/>
+          </a:prstGeom>
+          <a:noFill/>
+          <a:ln>
+            <a:noFill/>
+          </a:ln>
+        </p:spPr>
+      </p:pic>
+    </p:spTree>
+  </p:cSld>
+  <p:clrMapOvr>
+    <a:masterClrMapping/>
+  </p:clrMapOvr>
+</p:sld>
+</file>
+
+<file path=ppt/slides/slide8.xml><?xml version="1.0" encoding="utf-8"?>
+<p:sld xmlns:a="http://schemas.openxmlformats.org/drawingml/2006/main" xmlns:r="http://schemas.openxmlformats.org/officeDocument/2006/relationships" xmlns:p="http://schemas.openxmlformats.org/presentationml/2006/main">
+  <p:cSld>
+    <p:spTree>
+      <p:nvGrpSpPr>
+        <p:cNvPr id="1" name=""/>
+        <p:cNvGrpSpPr/>
+        <p:nvPr/>
+      </p:nvGrpSpPr>
+      <p:grpSpPr>
+        <a:xfrm>
+          <a:off x="0" y="0"/>
+          <a:ext cx="0" cy="0"/>
+          <a:chOff x="0" y="0"/>
+          <a:chExt cx="0" cy="0"/>
+        </a:xfrm>
+      </p:grpSpPr>
+      <p:sp>
+        <p:nvSpPr>
+          <p:cNvPr id="2" name="Titel 1"/>
+          <p:cNvSpPr>
+            <a:spLocks noGrp="1"/>
+          </p:cNvSpPr>
+          <p:nvPr>
+            <p:ph type="title"/>
+          </p:nvPr>
+        </p:nvSpPr>
+        <p:spPr/>
+        <p:txBody>
+          <a:bodyPr>
+            <a:normAutofit/>
+          </a:bodyPr>
+          <a:lstStyle/>
+          <a:p>
+            <a:r>
+              <a:rPr lang="sv-SE" dirty="0" smtClean="0"/>
+              <a:t>Experiments</a:t>
+            </a:r>
+            <a:endParaRPr lang="da-DK" dirty="0"/>
+          </a:p>
+        </p:txBody>
+      </p:sp>
+      <p:sp>
+        <p:nvSpPr>
+          <p:cNvPr id="3" name="Pladsholder til indhold 2"/>
+          <p:cNvSpPr>
+            <a:spLocks noGrp="1"/>
+          </p:cNvSpPr>
+          <p:nvPr>
+            <p:ph idx="1"/>
+          </p:nvPr>
+        </p:nvSpPr>
+        <p:spPr/>
+        <p:txBody>
+          <a:bodyPr/>
+          <a:lstStyle/>
+          <a:p>
+            <a:r>
+              <a:rPr lang="sv-SE" dirty="0" smtClean="0"/>
+              <a:t>1 base ”competitive” mode</a:t>
+            </a:r>
+            <a:endParaRPr lang="da-DK" dirty="0"/>
+          </a:p>
+        </p:txBody>
+      </p:sp>
+      <p:graphicFrame>
+        <p:nvGraphicFramePr>
+          <p:cNvPr id="5" name="Chart 11"/>
+          <p:cNvGraphicFramePr/>
+          <p:nvPr/>
+        </p:nvGraphicFramePr>
+        <p:xfrm>
+          <a:off x="1475656" y="2204864"/>
+          <a:ext cx="6120130" cy="2950207"/>
+        </p:xfrm>
+        <a:graphic>
+          <a:graphicData uri="http://schemas.openxmlformats.org/drawingml/2006/chart">
+            <c:chart xmlns:c="http://schemas.openxmlformats.org/drawingml/2006/chart" xmlns:r="http://schemas.openxmlformats.org/officeDocument/2006/relationships" r:id="rId2"/>
+          </a:graphicData>
+        </a:graphic>
+      </p:graphicFrame>
+    </p:spTree>
+  </p:cSld>
+  <p:clrMapOvr>
+    <a:masterClrMapping/>
+  </p:clrMapOvr>
+</p:sld>
+</file>
+
+<file path=ppt/slides/slide9.xml><?xml version="1.0" encoding="utf-8"?>
+<p:sld xmlns:a="http://schemas.openxmlformats.org/drawingml/2006/main" xmlns:r="http://schemas.openxmlformats.org/officeDocument/2006/relationships" xmlns:p="http://schemas.openxmlformats.org/presentationml/2006/main">
+  <p:cSld>
+    <p:spTree>
+      <p:nvGrpSpPr>
+        <p:cNvPr id="1" name=""/>
+        <p:cNvGrpSpPr/>
+        <p:nvPr/>
+      </p:nvGrpSpPr>
+      <p:grpSpPr>
+        <a:xfrm>
+          <a:off x="0" y="0"/>
+          <a:ext cx="0" cy="0"/>
+          <a:chOff x="0" y="0"/>
+          <a:chExt cx="0" cy="0"/>
+        </a:xfrm>
+      </p:grpSpPr>
+      <p:sp>
+        <p:nvSpPr>
+          <p:cNvPr id="2" name="Titel 1"/>
+          <p:cNvSpPr>
+            <a:spLocks noGrp="1"/>
+          </p:cNvSpPr>
+          <p:nvPr>
+            <p:ph type="title"/>
+          </p:nvPr>
+        </p:nvSpPr>
+        <p:spPr/>
+        <p:txBody>
+          <a:bodyPr/>
+          <a:lstStyle/>
+          <a:p>
+            <a:endParaRPr lang="da-DK"/>
+          </a:p>
+        </p:txBody>
+      </p:sp>
+      <p:sp>
+        <p:nvSpPr>
+          <p:cNvPr id="3" name="Pladsholder til indhold 2"/>
+          <p:cNvSpPr>
+            <a:spLocks noGrp="1"/>
+          </p:cNvSpPr>
+          <p:nvPr>
+            <p:ph idx="1"/>
+          </p:nvPr>
+        </p:nvSpPr>
+        <p:spPr/>
+        <p:txBody>
+          <a:bodyPr/>
+          <a:lstStyle/>
+          <a:p>
+            <a:endParaRPr lang="da-DK"/>
+          </a:p>
+        </p:txBody>
+      </p:sp>
+      <p:graphicFrame>
+        <p:nvGraphicFramePr>
+          <p:cNvPr id="5" name="Chart 12"/>
+          <p:cNvGraphicFramePr/>
+          <p:nvPr/>
+        </p:nvGraphicFramePr>
+        <p:xfrm>
+          <a:off x="1511935" y="2071119"/>
+          <a:ext cx="6120130" cy="2715762"/>
+        </p:xfrm>
+        <a:graphic>
+          <a:graphicData uri="http://schemas.openxmlformats.org/drawingml/2006/chart">
+            <c:chart xmlns:c="http://schemas.openxmlformats.org/drawingml/2006/chart" xmlns:r="http://schemas.openxmlformats.org/officeDocument/2006/relationships" r:id="rId2"/>
+          </a:graphicData>
+        </a:graphic>
+      </p:graphicFrame>
+    </p:spTree>
   </p:cSld>
   <p:clrMapOvr>
     <a:masterClrMapping/>

--- a/trunk/AM24/report and docs/AM24 - presentation.pptx
+++ b/trunk/AM24/report and docs/AM24 - presentation.pptx
@@ -15,7 +15,6 @@
     <p:sldId id="263" r:id="rId9"/>
     <p:sldId id="264" r:id="rId10"/>
     <p:sldId id="265" r:id="rId11"/>
-    <p:sldId id="266" r:id="rId12"/>
   </p:sldIdLst>
   <p:sldSz cx="9144000" cy="6858000" type="screen4x3"/>
   <p:notesSz cx="6858000" cy="9144000"/>
@@ -3914,73 +3913,6 @@
           </a:graphicData>
         </a:graphic>
       </p:graphicFrame>
-    </p:spTree>
-  </p:cSld>
-  <p:clrMapOvr>
-    <a:masterClrMapping/>
-  </p:clrMapOvr>
-</p:sld>
-</file>
-
-<file path=ppt/slides/slide11.xml><?xml version="1.0" encoding="utf-8"?>
-<p:sld xmlns:a="http://schemas.openxmlformats.org/drawingml/2006/main" xmlns:r="http://schemas.openxmlformats.org/officeDocument/2006/relationships" xmlns:p="http://schemas.openxmlformats.org/presentationml/2006/main">
-  <p:cSld>
-    <p:spTree>
-      <p:nvGrpSpPr>
-        <p:cNvPr id="1" name=""/>
-        <p:cNvGrpSpPr/>
-        <p:nvPr/>
-      </p:nvGrpSpPr>
-      <p:grpSpPr>
-        <a:xfrm>
-          <a:off x="0" y="0"/>
-          <a:ext cx="0" cy="0"/>
-          <a:chOff x="0" y="0"/>
-          <a:chExt cx="0" cy="0"/>
-        </a:xfrm>
-      </p:grpSpPr>
-      <p:sp>
-        <p:nvSpPr>
-          <p:cNvPr id="2" name="Titel 1"/>
-          <p:cNvSpPr>
-            <a:spLocks noGrp="1"/>
-          </p:cNvSpPr>
-          <p:nvPr>
-            <p:ph type="title"/>
-          </p:nvPr>
-        </p:nvSpPr>
-        <p:spPr/>
-        <p:txBody>
-          <a:bodyPr/>
-          <a:lstStyle/>
-          <a:p>
-            <a:r>
-              <a:rPr lang="sv-SE" dirty="0" smtClean="0"/>
-              <a:t>Questions?</a:t>
-            </a:r>
-            <a:endParaRPr lang="da-DK" dirty="0"/>
-          </a:p>
-        </p:txBody>
-      </p:sp>
-      <p:sp>
-        <p:nvSpPr>
-          <p:cNvPr id="3" name="Pladsholder til indhold 2"/>
-          <p:cNvSpPr>
-            <a:spLocks noGrp="1"/>
-          </p:cNvSpPr>
-          <p:nvPr>
-            <p:ph idx="1"/>
-          </p:nvPr>
-        </p:nvSpPr>
-        <p:spPr/>
-        <p:txBody>
-          <a:bodyPr/>
-          <a:lstStyle/>
-          <a:p>
-            <a:endParaRPr lang="da-DK"/>
-          </a:p>
-        </p:txBody>
-      </p:sp>
     </p:spTree>
   </p:cSld>
   <p:clrMapOvr>

--- a/trunk/AM24/report and docs/AM24 - presentation.pptx
+++ b/trunk/AM24/report and docs/AM24 - presentation.pptx
@@ -2,7 +2,7 @@
 <file path=ppt/presentation.xml><?xml version="1.0" encoding="utf-8"?>
 <p:presentation xmlns:a="http://schemas.openxmlformats.org/drawingml/2006/main" xmlns:r="http://schemas.openxmlformats.org/officeDocument/2006/relationships" xmlns:p="http://schemas.openxmlformats.org/presentationml/2006/main" saveSubsetFonts="1">
   <p:sldMasterIdLst>
-    <p:sldMasterId id="2147483648" r:id="rId1"/>
+    <p:sldMasterId id="2147483660" r:id="rId1"/>
   </p:sldMasterIdLst>
   <p:sldIdLst>
     <p:sldId id="256" r:id="rId2"/>
@@ -118,17 +118,29 @@
 
 <file path=ppt/charts/chart1.xml><?xml version="1.0" encoding="utf-8"?>
 <c:chartSpace xmlns:c="http://schemas.openxmlformats.org/drawingml/2006/chart" xmlns:a="http://schemas.openxmlformats.org/drawingml/2006/main" xmlns:r="http://schemas.openxmlformats.org/officeDocument/2006/relationships">
-  <c:date1904 val="1"/>
-  <c:lang val="da-DK"/>
+  <c:date1904 val="0"/>
+  <c:lang val="en-US"/>
+  <c:roundedCorners val="0"/>
+  <mc:AlternateContent xmlns:mc="http://schemas.openxmlformats.org/markup-compatibility/2006">
+    <mc:Choice xmlns:c14="http://schemas.microsoft.com/office/drawing/2007/8/2/chart" Requires="c14">
+      <c14:style val="102"/>
+    </mc:Choice>
+    <mc:Fallback>
+      <c:style val="2"/>
+    </mc:Fallback>
+  </mc:AlternateContent>
   <c:chart>
     <c:title>
       <c:layout/>
+      <c:overlay val="0"/>
     </c:title>
+    <c:autoTitleDeleted val="0"/>
     <c:plotArea>
       <c:layout/>
       <c:barChart>
         <c:barDir val="col"/>
         <c:grouping val="clustered"/>
+        <c:varyColors val="0"/>
         <c:ser>
           <c:idx val="0"/>
           <c:order val="0"/>
@@ -143,6 +155,7 @@
               </c:strCache>
             </c:strRef>
           </c:tx>
+          <c:invertIfNegative val="0"/>
           <c:cat>
             <c:strRef>
               <c:f>'Ark1'!$B$1:$W$1</c:f>
@@ -293,31 +306,48 @@
             </c:numRef>
           </c:val>
         </c:ser>
-        <c:axId val="34334208"/>
-        <c:axId val="34335744"/>
+        <c:dLbls>
+          <c:showLegendKey val="0"/>
+          <c:showVal val="0"/>
+          <c:showCatName val="0"/>
+          <c:showSerName val="0"/>
+          <c:showPercent val="0"/>
+          <c:showBubbleSize val="0"/>
+        </c:dLbls>
+        <c:gapWidth val="150"/>
+        <c:axId val="70304512"/>
+        <c:axId val="70306048"/>
       </c:barChart>
       <c:catAx>
-        <c:axId val="34334208"/>
+        <c:axId val="70304512"/>
         <c:scaling>
           <c:orientation val="minMax"/>
         </c:scaling>
+        <c:delete val="0"/>
         <c:axPos val="b"/>
+        <c:majorTickMark val="out"/>
+        <c:minorTickMark val="none"/>
         <c:tickLblPos val="nextTo"/>
-        <c:crossAx val="34335744"/>
+        <c:crossAx val="70306048"/>
         <c:crosses val="autoZero"/>
+        <c:auto val="0"/>
         <c:lblAlgn val="ctr"/>
         <c:lblOffset val="100"/>
+        <c:noMultiLvlLbl val="0"/>
       </c:catAx>
       <c:valAx>
-        <c:axId val="34335744"/>
+        <c:axId val="70306048"/>
         <c:scaling>
           <c:orientation val="minMax"/>
         </c:scaling>
+        <c:delete val="0"/>
         <c:axPos val="l"/>
         <c:majorGridlines/>
         <c:numFmt formatCode="General" sourceLinked="1"/>
+        <c:majorTickMark val="out"/>
+        <c:minorTickMark val="none"/>
         <c:tickLblPos val="nextTo"/>
-        <c:crossAx val="34334208"/>
+        <c:crossAx val="70304512"/>
         <c:crosses val="autoZero"/>
         <c:crossBetween val="between"/>
       </c:valAx>
@@ -325,27 +355,43 @@
     <c:legend>
       <c:legendPos val="r"/>
       <c:layout/>
+      <c:overlay val="0"/>
     </c:legend>
     <c:plotVisOnly val="1"/>
     <c:dispBlanksAs val="gap"/>
+    <c:showDLblsOverMax val="0"/>
   </c:chart>
-  <c:externalData r:id="rId1"/>
+  <c:externalData r:id="rId1">
+    <c:autoUpdate val="0"/>
+  </c:externalData>
 </c:chartSpace>
 </file>
 
 <file path=ppt/charts/chart2.xml><?xml version="1.0" encoding="utf-8"?>
 <c:chartSpace xmlns:c="http://schemas.openxmlformats.org/drawingml/2006/chart" xmlns:a="http://schemas.openxmlformats.org/drawingml/2006/main" xmlns:r="http://schemas.openxmlformats.org/officeDocument/2006/relationships">
-  <c:date1904 val="1"/>
-  <c:lang val="da-DK"/>
+  <c:date1904 val="0"/>
+  <c:lang val="en-US"/>
+  <c:roundedCorners val="0"/>
+  <mc:AlternateContent xmlns:mc="http://schemas.openxmlformats.org/markup-compatibility/2006">
+    <mc:Choice xmlns:c14="http://schemas.microsoft.com/office/drawing/2007/8/2/chart" Requires="c14">
+      <c14:style val="102"/>
+    </mc:Choice>
+    <mc:Fallback>
+      <c:style val="2"/>
+    </mc:Fallback>
+  </mc:AlternateContent>
   <c:chart>
     <c:title>
       <c:layout/>
+      <c:overlay val="0"/>
     </c:title>
+    <c:autoTitleDeleted val="0"/>
     <c:plotArea>
       <c:layout/>
       <c:barChart>
         <c:barDir val="col"/>
         <c:grouping val="clustered"/>
+        <c:varyColors val="0"/>
         <c:ser>
           <c:idx val="0"/>
           <c:order val="0"/>
@@ -360,6 +406,7 @@
               </c:strCache>
             </c:strRef>
           </c:tx>
+          <c:invertIfNegative val="0"/>
           <c:cat>
             <c:strRef>
               <c:f>'Ark1'!$B$1:$W$1</c:f>
@@ -510,32 +557,48 @@
             </c:numRef>
           </c:val>
         </c:ser>
-        <c:axId val="39814656"/>
-        <c:axId val="39818752"/>
+        <c:dLbls>
+          <c:showLegendKey val="0"/>
+          <c:showVal val="0"/>
+          <c:showCatName val="0"/>
+          <c:showSerName val="0"/>
+          <c:showPercent val="0"/>
+          <c:showBubbleSize val="0"/>
+        </c:dLbls>
+        <c:gapWidth val="150"/>
+        <c:axId val="28261760"/>
+        <c:axId val="27690112"/>
       </c:barChart>
       <c:catAx>
-        <c:axId val="39814656"/>
+        <c:axId val="28261760"/>
         <c:scaling>
           <c:orientation val="minMax"/>
         </c:scaling>
+        <c:delete val="0"/>
         <c:axPos val="b"/>
+        <c:majorTickMark val="out"/>
+        <c:minorTickMark val="none"/>
         <c:tickLblPos val="nextTo"/>
-        <c:crossAx val="39818752"/>
+        <c:crossAx val="27690112"/>
         <c:crosses val="autoZero"/>
         <c:auto val="1"/>
         <c:lblAlgn val="ctr"/>
         <c:lblOffset val="100"/>
+        <c:noMultiLvlLbl val="0"/>
       </c:catAx>
       <c:valAx>
-        <c:axId val="39818752"/>
+        <c:axId val="27690112"/>
         <c:scaling>
           <c:orientation val="minMax"/>
         </c:scaling>
+        <c:delete val="0"/>
         <c:axPos val="l"/>
         <c:majorGridlines/>
         <c:numFmt formatCode="General" sourceLinked="1"/>
+        <c:majorTickMark val="out"/>
+        <c:minorTickMark val="none"/>
         <c:tickLblPos val="nextTo"/>
-        <c:crossAx val="39814656"/>
+        <c:crossAx val="28261760"/>
         <c:crosses val="autoZero"/>
         <c:crossBetween val="between"/>
       </c:valAx>
@@ -543,27 +606,43 @@
     <c:legend>
       <c:legendPos val="r"/>
       <c:layout/>
+      <c:overlay val="0"/>
     </c:legend>
     <c:plotVisOnly val="1"/>
     <c:dispBlanksAs val="gap"/>
+    <c:showDLblsOverMax val="0"/>
   </c:chart>
-  <c:externalData r:id="rId1"/>
+  <c:externalData r:id="rId1">
+    <c:autoUpdate val="0"/>
+  </c:externalData>
 </c:chartSpace>
 </file>
 
 <file path=ppt/charts/chart3.xml><?xml version="1.0" encoding="utf-8"?>
 <c:chartSpace xmlns:c="http://schemas.openxmlformats.org/drawingml/2006/chart" xmlns:a="http://schemas.openxmlformats.org/drawingml/2006/main" xmlns:r="http://schemas.openxmlformats.org/officeDocument/2006/relationships">
-  <c:date1904 val="1"/>
-  <c:lang val="da-DK"/>
+  <c:date1904 val="0"/>
+  <c:lang val="en-US"/>
+  <c:roundedCorners val="0"/>
+  <mc:AlternateContent xmlns:mc="http://schemas.openxmlformats.org/markup-compatibility/2006">
+    <mc:Choice xmlns:c14="http://schemas.microsoft.com/office/drawing/2007/8/2/chart" Requires="c14">
+      <c14:style val="102"/>
+    </mc:Choice>
+    <mc:Fallback>
+      <c:style val="2"/>
+    </mc:Fallback>
+  </mc:AlternateContent>
   <c:chart>
     <c:title>
       <c:layout/>
+      <c:overlay val="0"/>
     </c:title>
+    <c:autoTitleDeleted val="0"/>
     <c:plotArea>
       <c:layout/>
       <c:barChart>
         <c:barDir val="col"/>
         <c:grouping val="clustered"/>
+        <c:varyColors val="0"/>
         <c:ser>
           <c:idx val="0"/>
           <c:order val="0"/>
@@ -578,6 +657,7 @@
               </c:strCache>
             </c:strRef>
           </c:tx>
+          <c:invertIfNegative val="0"/>
           <c:cat>
             <c:strRef>
               <c:f>'Ark1'!$B$1:$W$1</c:f>
@@ -728,32 +808,48 @@
             </c:numRef>
           </c:val>
         </c:ser>
-        <c:axId val="78116736"/>
-        <c:axId val="78118272"/>
+        <c:dLbls>
+          <c:showLegendKey val="0"/>
+          <c:showVal val="0"/>
+          <c:showCatName val="0"/>
+          <c:showSerName val="0"/>
+          <c:showPercent val="0"/>
+          <c:showBubbleSize val="0"/>
+        </c:dLbls>
+        <c:gapWidth val="150"/>
+        <c:axId val="70285568"/>
+        <c:axId val="70287360"/>
       </c:barChart>
       <c:catAx>
-        <c:axId val="78116736"/>
+        <c:axId val="70285568"/>
         <c:scaling>
           <c:orientation val="minMax"/>
         </c:scaling>
+        <c:delete val="0"/>
         <c:axPos val="b"/>
+        <c:majorTickMark val="out"/>
+        <c:minorTickMark val="none"/>
         <c:tickLblPos val="nextTo"/>
-        <c:crossAx val="78118272"/>
+        <c:crossAx val="70287360"/>
         <c:crosses val="autoZero"/>
         <c:auto val="1"/>
         <c:lblAlgn val="ctr"/>
         <c:lblOffset val="100"/>
+        <c:noMultiLvlLbl val="0"/>
       </c:catAx>
       <c:valAx>
-        <c:axId val="78118272"/>
+        <c:axId val="70287360"/>
         <c:scaling>
           <c:orientation val="minMax"/>
         </c:scaling>
+        <c:delete val="0"/>
         <c:axPos val="l"/>
         <c:majorGridlines/>
         <c:numFmt formatCode="General" sourceLinked="1"/>
+        <c:majorTickMark val="out"/>
+        <c:minorTickMark val="none"/>
         <c:tickLblPos val="nextTo"/>
-        <c:crossAx val="78116736"/>
+        <c:crossAx val="70285568"/>
         <c:crosses val="autoZero"/>
         <c:crossBetween val="between"/>
       </c:valAx>
@@ -761,11 +857,15 @@
     <c:legend>
       <c:legendPos val="r"/>
       <c:layout/>
+      <c:overlay val="0"/>
     </c:legend>
     <c:plotVisOnly val="1"/>
     <c:dispBlanksAs val="gap"/>
+    <c:showDLblsOverMax val="0"/>
   </c:chart>
-  <c:externalData r:id="rId1"/>
+  <c:externalData r:id="rId1">
+    <c:autoUpdate val="0"/>
+  </c:externalData>
 </c:chartSpace>
 </file>
 
@@ -798,19 +898,30 @@
         </p:nvSpPr>
         <p:spPr>
           <a:xfrm>
-            <a:off x="685800" y="2130425"/>
-            <a:ext cx="7772400" cy="1470025"/>
+            <a:off x="685800" y="1905000"/>
+            <a:ext cx="7543800" cy="2593975"/>
           </a:xfrm>
         </p:spPr>
         <p:txBody>
-          <a:bodyPr/>
-          <a:lstStyle/>
+          <a:bodyPr anchor="b"/>
+          <a:lstStyle>
+            <a:lvl1pPr>
+              <a:defRPr sz="6600">
+                <a:ln>
+                  <a:noFill/>
+                </a:ln>
+                <a:solidFill>
+                  <a:schemeClr val="tx2"/>
+                </a:solidFill>
+              </a:defRPr>
+            </a:lvl1pPr>
+          </a:lstStyle>
           <a:p>
             <a:r>
               <a:rPr lang="en-US" smtClean="0"/>
               <a:t>Click to edit Master title style</a:t>
             </a:r>
-            <a:endParaRPr lang="en-US"/>
+            <a:endParaRPr lang="en-US" dirty="0"/>
           </a:p>
         </p:txBody>
       </p:sp>
@@ -826,16 +937,18 @@
         </p:nvSpPr>
         <p:spPr>
           <a:xfrm>
-            <a:off x="1371600" y="3886200"/>
-            <a:ext cx="6400800" cy="1752600"/>
+            <a:off x="685800" y="4572000"/>
+            <a:ext cx="6461760" cy="1066800"/>
           </a:xfrm>
         </p:spPr>
         <p:txBody>
-          <a:bodyPr/>
+          <a:bodyPr anchor="t">
+            <a:normAutofit/>
+          </a:bodyPr>
           <a:lstStyle>
-            <a:lvl1pPr marL="0" indent="0" algn="ctr">
-              <a:buNone/>
-              <a:defRPr>
+            <a:lvl1pPr marL="0" indent="0" algn="l">
+              <a:buNone/>
+              <a:defRPr sz="2000">
                 <a:solidFill>
                   <a:schemeClr val="tx1">
                     <a:tint val="75000"/>
@@ -929,7 +1042,7 @@
               <a:rPr lang="en-US" smtClean="0"/>
               <a:t>Click to edit Master subtitle style</a:t>
             </a:r>
-            <a:endParaRPr lang="en-US"/>
+            <a:endParaRPr lang="en-US" dirty="0"/>
           </a:p>
         </p:txBody>
       </p:sp>
@@ -994,18 +1107,13 @@
             <a:fld id="{42E3368E-313F-4933-8428-B3B204247A62}" type="slidenum">
               <a:rPr lang="en-US" smtClean="0"/>
               <a:pPr/>
-              <a:t>‹nr.›</a:t>
+              <a:t>‹#›</a:t>
             </a:fld>
             <a:endParaRPr lang="en-US"/>
           </a:p>
         </p:txBody>
       </p:sp>
     </p:spTree>
-    <p:extLst>
-      <p:ext uri="{BB962C8B-B14F-4D97-AF65-F5344CB8AC3E}">
-        <p14:creationId xmlns:p14="http://schemas.microsoft.com/office/powerpoint/2010/main" xmlns="" val="961979"/>
-      </p:ext>
-    </p:extLst>
   </p:cSld>
   <p:clrMapOvr>
     <a:masterClrMapping/>
@@ -1166,18 +1274,13 @@
             <a:fld id="{42E3368E-313F-4933-8428-B3B204247A62}" type="slidenum">
               <a:rPr lang="en-US" smtClean="0"/>
               <a:pPr/>
-              <a:t>‹nr.›</a:t>
+              <a:t>‹#›</a:t>
             </a:fld>
             <a:endParaRPr lang="en-US"/>
           </a:p>
         </p:txBody>
       </p:sp>
     </p:spTree>
-    <p:extLst>
-      <p:ext uri="{BB962C8B-B14F-4D97-AF65-F5344CB8AC3E}">
-        <p14:creationId xmlns:p14="http://schemas.microsoft.com/office/powerpoint/2010/main" xmlns="" val="2936633701"/>
-      </p:ext>
-    </p:extLst>
   </p:cSld>
   <p:clrMapOvr>
     <a:masterClrMapping/>
@@ -1215,18 +1318,18 @@
         <p:spPr>
           <a:xfrm>
             <a:off x="6629400" y="274638"/>
-            <a:ext cx="2057400" cy="5851525"/>
+            <a:ext cx="1752600" cy="5851525"/>
           </a:xfrm>
         </p:spPr>
         <p:txBody>
-          <a:bodyPr vert="eaVert"/>
+          <a:bodyPr vert="eaVert" anchor="b" anchorCtr="0"/>
           <a:lstStyle/>
           <a:p>
             <a:r>
               <a:rPr lang="en-US" smtClean="0"/>
               <a:t>Click to edit Master title style</a:t>
             </a:r>
-            <a:endParaRPr lang="en-US"/>
+            <a:endParaRPr lang="en-US" dirty="0"/>
           </a:p>
         </p:txBody>
       </p:sp>
@@ -1348,18 +1451,13 @@
             <a:fld id="{42E3368E-313F-4933-8428-B3B204247A62}" type="slidenum">
               <a:rPr lang="en-US" smtClean="0"/>
               <a:pPr/>
-              <a:t>‹nr.›</a:t>
+              <a:t>‹#›</a:t>
             </a:fld>
             <a:endParaRPr lang="en-US"/>
           </a:p>
         </p:txBody>
       </p:sp>
     </p:spTree>
-    <p:extLst>
-      <p:ext uri="{BB962C8B-B14F-4D97-AF65-F5344CB8AC3E}">
-        <p14:creationId xmlns:p14="http://schemas.microsoft.com/office/powerpoint/2010/main" xmlns="" val="3126802534"/>
-      </p:ext>
-    </p:extLst>
   </p:cSld>
   <p:clrMapOvr>
     <a:masterClrMapping/>
@@ -1520,18 +1618,13 @@
             <a:fld id="{42E3368E-313F-4933-8428-B3B204247A62}" type="slidenum">
               <a:rPr lang="en-US" smtClean="0"/>
               <a:pPr/>
-              <a:t>‹nr.›</a:t>
+              <a:t>‹#›</a:t>
             </a:fld>
             <a:endParaRPr lang="en-US"/>
           </a:p>
         </p:txBody>
       </p:sp>
     </p:spTree>
-    <p:extLst>
-      <p:ext uri="{BB962C8B-B14F-4D97-AF65-F5344CB8AC3E}">
-        <p14:creationId xmlns:p14="http://schemas.microsoft.com/office/powerpoint/2010/main" xmlns="" val="442345017"/>
-      </p:ext>
-    </p:extLst>
   </p:cSld>
   <p:clrMapOvr>
     <a:masterClrMapping/>
@@ -1568,15 +1661,15 @@
         </p:nvSpPr>
         <p:spPr>
           <a:xfrm>
-            <a:off x="722313" y="4406900"/>
-            <a:ext cx="7772400" cy="1362075"/>
+            <a:off x="722313" y="5486400"/>
+            <a:ext cx="7659687" cy="1168400"/>
           </a:xfrm>
         </p:spPr>
         <p:txBody>
           <a:bodyPr anchor="t"/>
           <a:lstStyle>
             <a:lvl1pPr algn="l">
-              <a:defRPr sz="4000" b="1" cap="all"/>
+              <a:defRPr sz="3600" b="0" cap="all"/>
             </a:lvl1pPr>
           </a:lstStyle>
           <a:p>
@@ -1584,7 +1677,7 @@
               <a:rPr lang="en-US" smtClean="0"/>
               <a:t>Click to edit Master title style</a:t>
             </a:r>
-            <a:endParaRPr lang="en-US"/>
+            <a:endParaRPr lang="en-US" dirty="0"/>
           </a:p>
         </p:txBody>
       </p:sp>
@@ -1600,8 +1693,8 @@
         </p:nvSpPr>
         <p:spPr>
           <a:xfrm>
-            <a:off x="722313" y="2906713"/>
-            <a:ext cx="7772400" cy="1500187"/>
+            <a:off x="722313" y="3852863"/>
+            <a:ext cx="6135687" cy="1633538"/>
           </a:xfrm>
         </p:spPr>
         <p:txBody>
@@ -1768,18 +1861,13 @@
             <a:fld id="{42E3368E-313F-4933-8428-B3B204247A62}" type="slidenum">
               <a:rPr lang="en-US" smtClean="0"/>
               <a:pPr/>
-              <a:t>‹nr.›</a:t>
+              <a:t>‹#›</a:t>
             </a:fld>
             <a:endParaRPr lang="en-US"/>
           </a:p>
         </p:txBody>
       </p:sp>
     </p:spTree>
-    <p:extLst>
-      <p:ext uri="{BB962C8B-B14F-4D97-AF65-F5344CB8AC3E}">
-        <p14:creationId xmlns:p14="http://schemas.microsoft.com/office/powerpoint/2010/main" xmlns="" val="428598741"/>
-      </p:ext>
-    </p:extLst>
   </p:cSld>
   <p:clrMapOvr>
     <a:masterClrMapping/>
@@ -1839,8 +1927,8 @@
         </p:nvSpPr>
         <p:spPr>
           <a:xfrm>
-            <a:off x="457200" y="1600200"/>
-            <a:ext cx="4038600" cy="4525963"/>
+            <a:off x="457200" y="1536192"/>
+            <a:ext cx="3657600" cy="4590288"/>
           </a:xfrm>
         </p:spPr>
         <p:txBody>
@@ -1908,7 +1996,7 @@
               <a:rPr lang="en-US" smtClean="0"/>
               <a:t>Fifth level</a:t>
             </a:r>
-            <a:endParaRPr lang="en-US"/>
+            <a:endParaRPr lang="en-US" dirty="0"/>
           </a:p>
         </p:txBody>
       </p:sp>
@@ -1924,8 +2012,8 @@
         </p:nvSpPr>
         <p:spPr>
           <a:xfrm>
-            <a:off x="4648200" y="1600200"/>
-            <a:ext cx="4038600" cy="4525963"/>
+            <a:off x="4419600" y="1536192"/>
+            <a:ext cx="3657600" cy="4590288"/>
           </a:xfrm>
         </p:spPr>
         <p:txBody>
@@ -1993,7 +2081,7 @@
               <a:rPr lang="en-US" smtClean="0"/>
               <a:t>Fifth level</a:t>
             </a:r>
-            <a:endParaRPr lang="en-US"/>
+            <a:endParaRPr lang="en-US" dirty="0"/>
           </a:p>
         </p:txBody>
       </p:sp>
@@ -2058,18 +2146,13 @@
             <a:fld id="{42E3368E-313F-4933-8428-B3B204247A62}" type="slidenum">
               <a:rPr lang="en-US" smtClean="0"/>
               <a:pPr/>
-              <a:t>‹nr.›</a:t>
+              <a:t>‹#›</a:t>
             </a:fld>
             <a:endParaRPr lang="en-US"/>
           </a:p>
         </p:txBody>
       </p:sp>
     </p:spTree>
-    <p:extLst>
-      <p:ext uri="{BB962C8B-B14F-4D97-AF65-F5344CB8AC3E}">
-        <p14:creationId xmlns:p14="http://schemas.microsoft.com/office/powerpoint/2010/main" xmlns="" val="325317646"/>
-      </p:ext>
-    </p:extLst>
   </p:cSld>
   <p:clrMapOvr>
     <a:masterClrMapping/>
@@ -2134,15 +2217,21 @@
         <p:spPr>
           <a:xfrm>
             <a:off x="457200" y="1535113"/>
-            <a:ext cx="4040188" cy="639762"/>
+            <a:ext cx="3657600" cy="639762"/>
           </a:xfrm>
         </p:spPr>
         <p:txBody>
-          <a:bodyPr anchor="b"/>
+          <a:bodyPr anchor="b">
+            <a:noAutofit/>
+          </a:bodyPr>
           <a:lstStyle>
-            <a:lvl1pPr marL="0" indent="0">
-              <a:buNone/>
-              <a:defRPr sz="2400" b="1"/>
+            <a:lvl1pPr marL="0" indent="0" algn="ctr">
+              <a:buNone/>
+              <a:defRPr sz="2000" b="1">
+                <a:solidFill>
+                  <a:schemeClr val="tx2"/>
+                </a:solidFill>
+              </a:defRPr>
             </a:lvl1pPr>
             <a:lvl2pPr marL="457200" indent="0">
               <a:buNone/>
@@ -2199,7 +2288,7 @@
         <p:spPr>
           <a:xfrm>
             <a:off x="457200" y="2174875"/>
-            <a:ext cx="4040188" cy="3951288"/>
+            <a:ext cx="3657600" cy="3951288"/>
           </a:xfrm>
         </p:spPr>
         <p:txBody>
@@ -2267,7 +2356,7 @@
               <a:rPr lang="en-US" smtClean="0"/>
               <a:t>Fifth level</a:t>
             </a:r>
-            <a:endParaRPr lang="en-US"/>
+            <a:endParaRPr lang="en-US" dirty="0"/>
           </a:p>
         </p:txBody>
       </p:sp>
@@ -2283,16 +2372,22 @@
         </p:nvSpPr>
         <p:spPr>
           <a:xfrm>
-            <a:off x="4645025" y="1535113"/>
-            <a:ext cx="4041775" cy="639762"/>
+            <a:off x="4419600" y="1535113"/>
+            <a:ext cx="3657600" cy="639762"/>
           </a:xfrm>
         </p:spPr>
         <p:txBody>
-          <a:bodyPr anchor="b"/>
+          <a:bodyPr anchor="b">
+            <a:noAutofit/>
+          </a:bodyPr>
           <a:lstStyle>
-            <a:lvl1pPr marL="0" indent="0">
-              <a:buNone/>
-              <a:defRPr sz="2400" b="1"/>
+            <a:lvl1pPr marL="0" indent="0" algn="ctr">
+              <a:buNone/>
+              <a:defRPr sz="2000" b="1">
+                <a:solidFill>
+                  <a:schemeClr val="tx2"/>
+                </a:solidFill>
+              </a:defRPr>
             </a:lvl1pPr>
             <a:lvl2pPr marL="457200" indent="0">
               <a:buNone/>
@@ -2348,8 +2443,8 @@
         </p:nvSpPr>
         <p:spPr>
           <a:xfrm>
-            <a:off x="4645025" y="2174875"/>
-            <a:ext cx="4041775" cy="3951288"/>
+            <a:off x="4419600" y="2174875"/>
+            <a:ext cx="3657600" cy="3951288"/>
           </a:xfrm>
         </p:spPr>
         <p:txBody>
@@ -2482,18 +2577,13 @@
             <a:fld id="{42E3368E-313F-4933-8428-B3B204247A62}" type="slidenum">
               <a:rPr lang="en-US" smtClean="0"/>
               <a:pPr/>
-              <a:t>‹nr.›</a:t>
+              <a:t>‹#›</a:t>
             </a:fld>
             <a:endParaRPr lang="en-US"/>
           </a:p>
         </p:txBody>
       </p:sp>
     </p:spTree>
-    <p:extLst>
-      <p:ext uri="{BB962C8B-B14F-4D97-AF65-F5344CB8AC3E}">
-        <p14:creationId xmlns:p14="http://schemas.microsoft.com/office/powerpoint/2010/main" xmlns="" val="763804764"/>
-      </p:ext>
-    </p:extLst>
   </p:cSld>
   <p:clrMapOvr>
     <a:masterClrMapping/>
@@ -2602,18 +2692,13 @@
             <a:fld id="{42E3368E-313F-4933-8428-B3B204247A62}" type="slidenum">
               <a:rPr lang="en-US" smtClean="0"/>
               <a:pPr/>
-              <a:t>‹nr.›</a:t>
+              <a:t>‹#›</a:t>
             </a:fld>
             <a:endParaRPr lang="en-US"/>
           </a:p>
         </p:txBody>
       </p:sp>
     </p:spTree>
-    <p:extLst>
-      <p:ext uri="{BB962C8B-B14F-4D97-AF65-F5344CB8AC3E}">
-        <p14:creationId xmlns:p14="http://schemas.microsoft.com/office/powerpoint/2010/main" xmlns="" val="929340373"/>
-      </p:ext>
-    </p:extLst>
   </p:cSld>
   <p:clrMapOvr>
     <a:masterClrMapping/>
@@ -2699,18 +2784,13 @@
             <a:fld id="{42E3368E-313F-4933-8428-B3B204247A62}" type="slidenum">
               <a:rPr lang="en-US" smtClean="0"/>
               <a:pPr/>
-              <a:t>‹nr.›</a:t>
+              <a:t>‹#›</a:t>
             </a:fld>
             <a:endParaRPr lang="en-US"/>
           </a:p>
         </p:txBody>
       </p:sp>
     </p:spTree>
-    <p:extLst>
-      <p:ext uri="{BB962C8B-B14F-4D97-AF65-F5344CB8AC3E}">
-        <p14:creationId xmlns:p14="http://schemas.microsoft.com/office/powerpoint/2010/main" xmlns="" val="1494890262"/>
-      </p:ext>
-    </p:extLst>
   </p:cSld>
   <p:clrMapOvr>
     <a:masterClrMapping/>
@@ -2747,15 +2827,15 @@
         </p:nvSpPr>
         <p:spPr>
           <a:xfrm>
-            <a:off x="457200" y="273050"/>
-            <a:ext cx="3008313" cy="1162050"/>
+            <a:off x="304801" y="5495544"/>
+            <a:ext cx="7772400" cy="594360"/>
           </a:xfrm>
         </p:spPr>
         <p:txBody>
           <a:bodyPr anchor="b"/>
           <a:lstStyle>
-            <a:lvl1pPr algn="l">
-              <a:defRPr sz="2000" b="1"/>
+            <a:lvl1pPr algn="ctr">
+              <a:defRPr sz="2200" b="1"/>
             </a:lvl1pPr>
           </a:lstStyle>
           <a:p>
@@ -2763,117 +2843,34 @@
               <a:rPr lang="en-US" smtClean="0"/>
               <a:t>Click to edit Master title style</a:t>
             </a:r>
-            <a:endParaRPr lang="en-US"/>
-          </a:p>
-        </p:txBody>
-      </p:sp>
-      <p:sp>
-        <p:nvSpPr>
-          <p:cNvPr id="3" name="Content Placeholder 2"/>
-          <p:cNvSpPr>
-            <a:spLocks noGrp="1"/>
-          </p:cNvSpPr>
-          <p:nvPr>
-            <p:ph idx="1"/>
+            <a:endParaRPr lang="en-US" dirty="0"/>
+          </a:p>
+        </p:txBody>
+      </p:sp>
+      <p:sp>
+        <p:nvSpPr>
+          <p:cNvPr id="4" name="Text Placeholder 3"/>
+          <p:cNvSpPr>
+            <a:spLocks noGrp="1"/>
+          </p:cNvSpPr>
+          <p:nvPr>
+            <p:ph type="body" sz="half" idx="2"/>
           </p:nvPr>
         </p:nvSpPr>
         <p:spPr>
           <a:xfrm>
-            <a:off x="3575050" y="273050"/>
-            <a:ext cx="5111750" cy="5853113"/>
+            <a:off x="304799" y="6096000"/>
+            <a:ext cx="7772401" cy="609600"/>
           </a:xfrm>
         </p:spPr>
         <p:txBody>
-          <a:bodyPr/>
+          <a:bodyPr>
+            <a:normAutofit/>
+          </a:bodyPr>
           <a:lstStyle>
-            <a:lvl1pPr>
-              <a:defRPr sz="3200"/>
-            </a:lvl1pPr>
-            <a:lvl2pPr>
-              <a:defRPr sz="2800"/>
-            </a:lvl2pPr>
-            <a:lvl3pPr>
-              <a:defRPr sz="2400"/>
-            </a:lvl3pPr>
-            <a:lvl4pPr>
-              <a:defRPr sz="2000"/>
-            </a:lvl4pPr>
-            <a:lvl5pPr>
-              <a:defRPr sz="2000"/>
-            </a:lvl5pPr>
-            <a:lvl6pPr>
-              <a:defRPr sz="2000"/>
-            </a:lvl6pPr>
-            <a:lvl7pPr>
-              <a:defRPr sz="2000"/>
-            </a:lvl7pPr>
-            <a:lvl8pPr>
-              <a:defRPr sz="2000"/>
-            </a:lvl8pPr>
-            <a:lvl9pPr>
-              <a:defRPr sz="2000"/>
-            </a:lvl9pPr>
-          </a:lstStyle>
-          <a:p>
-            <a:pPr lvl="0"/>
-            <a:r>
-              <a:rPr lang="en-US" smtClean="0"/>
-              <a:t>Click to edit Master text styles</a:t>
-            </a:r>
-          </a:p>
-          <a:p>
-            <a:pPr lvl="1"/>
-            <a:r>
-              <a:rPr lang="en-US" smtClean="0"/>
-              <a:t>Second level</a:t>
-            </a:r>
-          </a:p>
-          <a:p>
-            <a:pPr lvl="2"/>
-            <a:r>
-              <a:rPr lang="en-US" smtClean="0"/>
-              <a:t>Third level</a:t>
-            </a:r>
-          </a:p>
-          <a:p>
-            <a:pPr lvl="3"/>
-            <a:r>
-              <a:rPr lang="en-US" smtClean="0"/>
-              <a:t>Fourth level</a:t>
-            </a:r>
-          </a:p>
-          <a:p>
-            <a:pPr lvl="4"/>
-            <a:r>
-              <a:rPr lang="en-US" smtClean="0"/>
-              <a:t>Fifth level</a:t>
-            </a:r>
-            <a:endParaRPr lang="en-US"/>
-          </a:p>
-        </p:txBody>
-      </p:sp>
-      <p:sp>
-        <p:nvSpPr>
-          <p:cNvPr id="4" name="Text Placeholder 3"/>
-          <p:cNvSpPr>
-            <a:spLocks noGrp="1"/>
-          </p:cNvSpPr>
-          <p:nvPr>
-            <p:ph type="body" sz="half" idx="2"/>
-          </p:nvPr>
-        </p:nvSpPr>
-        <p:spPr>
-          <a:xfrm>
-            <a:off x="457200" y="1435100"/>
-            <a:ext cx="3008313" cy="4691063"/>
-          </a:xfrm>
-        </p:spPr>
-        <p:txBody>
-          <a:bodyPr/>
-          <a:lstStyle>
-            <a:lvl1pPr marL="0" indent="0">
-              <a:buNone/>
-              <a:defRPr sz="1400"/>
+            <a:lvl1pPr marL="0" indent="0" algn="ctr">
+              <a:buNone/>
+              <a:defRPr sz="1600"/>
             </a:lvl1pPr>
             <a:lvl2pPr marL="457200" indent="0">
               <a:buNone/>
@@ -2978,18 +2975,70 @@
             <a:fld id="{42E3368E-313F-4933-8428-B3B204247A62}" type="slidenum">
               <a:rPr lang="en-US" smtClean="0"/>
               <a:pPr/>
-              <a:t>‹nr.›</a:t>
+              <a:t>‹#›</a:t>
             </a:fld>
             <a:endParaRPr lang="en-US"/>
           </a:p>
         </p:txBody>
       </p:sp>
+      <p:sp>
+        <p:nvSpPr>
+          <p:cNvPr id="9" name="Content Placeholder 8"/>
+          <p:cNvSpPr>
+            <a:spLocks noGrp="1"/>
+          </p:cNvSpPr>
+          <p:nvPr>
+            <p:ph sz="quarter" idx="13"/>
+          </p:nvPr>
+        </p:nvSpPr>
+        <p:spPr>
+          <a:xfrm>
+            <a:off x="304800" y="381000"/>
+            <a:ext cx="7772400" cy="4942840"/>
+          </a:xfrm>
+        </p:spPr>
+        <p:txBody>
+          <a:bodyPr/>
+          <a:lstStyle/>
+          <a:p>
+            <a:pPr lvl="0"/>
+            <a:r>
+              <a:rPr lang="en-US" smtClean="0"/>
+              <a:t>Click to edit Master text styles</a:t>
+            </a:r>
+          </a:p>
+          <a:p>
+            <a:pPr lvl="1"/>
+            <a:r>
+              <a:rPr lang="en-US" smtClean="0"/>
+              <a:t>Second level</a:t>
+            </a:r>
+          </a:p>
+          <a:p>
+            <a:pPr lvl="2"/>
+            <a:r>
+              <a:rPr lang="en-US" smtClean="0"/>
+              <a:t>Third level</a:t>
+            </a:r>
+          </a:p>
+          <a:p>
+            <a:pPr lvl="3"/>
+            <a:r>
+              <a:rPr lang="en-US" smtClean="0"/>
+              <a:t>Fourth level</a:t>
+            </a:r>
+          </a:p>
+          <a:p>
+            <a:pPr lvl="4"/>
+            <a:r>
+              <a:rPr lang="en-US" smtClean="0"/>
+              <a:t>Fifth level</a:t>
+            </a:r>
+            <a:endParaRPr lang="en-US"/>
+          </a:p>
+        </p:txBody>
+      </p:sp>
     </p:spTree>
-    <p:extLst>
-      <p:ext uri="{BB962C8B-B14F-4D97-AF65-F5344CB8AC3E}">
-        <p14:creationId xmlns:p14="http://schemas.microsoft.com/office/powerpoint/2010/main" xmlns="" val="4122254010"/>
-      </p:ext>
-    </p:extLst>
   </p:cSld>
   <p:clrMapOvr>
     <a:masterClrMapping/>
@@ -3026,15 +3075,22 @@
         </p:nvSpPr>
         <p:spPr>
           <a:xfrm>
-            <a:off x="1792288" y="4800600"/>
-            <a:ext cx="5486400" cy="566738"/>
+            <a:off x="301752" y="5495278"/>
+            <a:ext cx="7772400" cy="594626"/>
           </a:xfrm>
         </p:spPr>
         <p:txBody>
           <a:bodyPr anchor="b"/>
           <a:lstStyle>
-            <a:lvl1pPr algn="l">
-              <a:defRPr sz="2000" b="1"/>
+            <a:lvl1pPr algn="ctr">
+              <a:defRPr sz="2200" b="1">
+                <a:ln>
+                  <a:noFill/>
+                </a:ln>
+                <a:solidFill>
+                  <a:schemeClr val="tx2"/>
+                </a:solidFill>
+              </a:defRPr>
             </a:lvl1pPr>
           </a:lstStyle>
           <a:p>
@@ -3042,7 +3098,7 @@
               <a:rPr lang="en-US" smtClean="0"/>
               <a:t>Click to edit Master title style</a:t>
             </a:r>
-            <a:endParaRPr lang="en-US"/>
+            <a:endParaRPr lang="en-US" dirty="0"/>
           </a:p>
         </p:txBody>
       </p:sp>
@@ -3058,8 +3114,8 @@
         </p:nvSpPr>
         <p:spPr>
           <a:xfrm>
-            <a:off x="1792288" y="612775"/>
-            <a:ext cx="5486400" cy="4114800"/>
+            <a:off x="0" y="0"/>
+            <a:ext cx="8458200" cy="5486400"/>
           </a:xfrm>
         </p:spPr>
         <p:txBody>
@@ -3103,7 +3159,11 @@
             </a:lvl9pPr>
           </a:lstStyle>
           <a:p>
-            <a:endParaRPr lang="en-US"/>
+            <a:r>
+              <a:rPr lang="en-US" smtClean="0"/>
+              <a:t>Click icon to add picture</a:t>
+            </a:r>
+            <a:endParaRPr lang="en-US" dirty="0"/>
           </a:p>
         </p:txBody>
       </p:sp>
@@ -3119,16 +3179,18 @@
         </p:nvSpPr>
         <p:spPr>
           <a:xfrm>
-            <a:off x="1792288" y="5367338"/>
-            <a:ext cx="5486400" cy="804862"/>
+            <a:off x="301752" y="6096000"/>
+            <a:ext cx="7772400" cy="612648"/>
           </a:xfrm>
         </p:spPr>
         <p:txBody>
-          <a:bodyPr/>
+          <a:bodyPr>
+            <a:normAutofit/>
+          </a:bodyPr>
           <a:lstStyle>
-            <a:lvl1pPr marL="0" indent="0">
-              <a:buNone/>
-              <a:defRPr sz="1400"/>
+            <a:lvl1pPr marL="0" indent="0" algn="ctr">
+              <a:buNone/>
+              <a:defRPr sz="1600"/>
             </a:lvl1pPr>
             <a:lvl2pPr marL="457200" indent="0">
               <a:buNone/>
@@ -3174,7 +3236,7 @@
       </p:sp>
       <p:sp>
         <p:nvSpPr>
-          <p:cNvPr id="5" name="Date Placeholder 4"/>
+          <p:cNvPr id="8" name="Date Placeholder 7"/>
           <p:cNvSpPr>
             <a:spLocks noGrp="1"/>
           </p:cNvSpPr>
@@ -3198,31 +3260,12 @@
       </p:sp>
       <p:sp>
         <p:nvSpPr>
-          <p:cNvPr id="6" name="Footer Placeholder 5"/>
-          <p:cNvSpPr>
-            <a:spLocks noGrp="1"/>
-          </p:cNvSpPr>
-          <p:nvPr>
-            <p:ph type="ftr" sz="quarter" idx="11"/>
-          </p:nvPr>
-        </p:nvSpPr>
-        <p:spPr/>
-        <p:txBody>
-          <a:bodyPr/>
-          <a:lstStyle/>
-          <a:p>
-            <a:endParaRPr lang="en-US"/>
-          </a:p>
-        </p:txBody>
-      </p:sp>
-      <p:sp>
-        <p:nvSpPr>
-          <p:cNvPr id="7" name="Slide Number Placeholder 6"/>
-          <p:cNvSpPr>
-            <a:spLocks noGrp="1"/>
-          </p:cNvSpPr>
-          <p:nvPr>
-            <p:ph type="sldNum" sz="quarter" idx="12"/>
+          <p:cNvPr id="9" name="Slide Number Placeholder 8"/>
+          <p:cNvSpPr>
+            <a:spLocks noGrp="1"/>
+          </p:cNvSpPr>
+          <p:nvPr>
+            <p:ph type="sldNum" sz="quarter" idx="11"/>
           </p:nvPr>
         </p:nvSpPr>
         <p:spPr/>
@@ -3233,18 +3276,32 @@
             <a:fld id="{42E3368E-313F-4933-8428-B3B204247A62}" type="slidenum">
               <a:rPr lang="en-US" smtClean="0"/>
               <a:pPr/>
-              <a:t>‹nr.›</a:t>
+              <a:t>‹#›</a:t>
             </a:fld>
             <a:endParaRPr lang="en-US"/>
           </a:p>
         </p:txBody>
       </p:sp>
+      <p:sp>
+        <p:nvSpPr>
+          <p:cNvPr id="10" name="Footer Placeholder 9"/>
+          <p:cNvSpPr>
+            <a:spLocks noGrp="1"/>
+          </p:cNvSpPr>
+          <p:nvPr>
+            <p:ph type="ftr" sz="quarter" idx="12"/>
+          </p:nvPr>
+        </p:nvSpPr>
+        <p:spPr/>
+        <p:txBody>
+          <a:bodyPr/>
+          <a:lstStyle/>
+          <a:p>
+            <a:endParaRPr lang="en-US"/>
+          </a:p>
+        </p:txBody>
+      </p:sp>
     </p:spTree>
-    <p:extLst>
-      <p:ext uri="{BB962C8B-B14F-4D97-AF65-F5344CB8AC3E}">
-        <p14:creationId xmlns:p14="http://schemas.microsoft.com/office/powerpoint/2010/main" xmlns="" val="3845958477"/>
-      </p:ext>
-    </p:extLst>
   </p:cSld>
   <p:clrMapOvr>
     <a:masterClrMapping/>
@@ -3256,7 +3313,7 @@
 <p:sldMaster xmlns:a="http://schemas.openxmlformats.org/drawingml/2006/main" xmlns:r="http://schemas.openxmlformats.org/officeDocument/2006/relationships" xmlns:p="http://schemas.openxmlformats.org/presentationml/2006/main">
   <p:cSld>
     <p:bg>
-      <p:bgRef idx="1001">
+      <p:bgRef idx="1002">
         <a:schemeClr val="bg1"/>
       </p:bgRef>
     </p:bg>
@@ -3287,7 +3344,7 @@
         <p:spPr>
           <a:xfrm>
             <a:off x="457200" y="274638"/>
-            <a:ext cx="8229600" cy="1143000"/>
+            <a:ext cx="7620000" cy="1143000"/>
           </a:xfrm>
           <a:prstGeom prst="rect">
             <a:avLst/>
@@ -3295,7 +3352,7 @@
         </p:spPr>
         <p:txBody>
           <a:bodyPr vert="horz" lIns="91440" tIns="45720" rIns="91440" bIns="45720" rtlCol="0" anchor="ctr">
-            <a:normAutofit/>
+            <a:noAutofit/>
           </a:bodyPr>
           <a:lstStyle/>
           <a:p>
@@ -3303,7 +3360,7 @@
               <a:rPr lang="en-US" smtClean="0"/>
               <a:t>Click to edit Master title style</a:t>
             </a:r>
-            <a:endParaRPr lang="en-US"/>
+            <a:endParaRPr lang="en-US" dirty="0"/>
           </a:p>
         </p:txBody>
       </p:sp>
@@ -3320,7 +3377,7 @@
         <p:spPr>
           <a:xfrm>
             <a:off x="457200" y="1600200"/>
-            <a:ext cx="8229600" cy="4525963"/>
+            <a:ext cx="7620000" cy="4800600"/>
           </a:xfrm>
           <a:prstGeom prst="rect">
             <a:avLst/>
@@ -3365,24 +3422,163 @@
               <a:rPr lang="en-US" smtClean="0"/>
               <a:t>Fifth level</a:t>
             </a:r>
-            <a:endParaRPr lang="en-US"/>
-          </a:p>
-        </p:txBody>
-      </p:sp>
-      <p:sp>
-        <p:nvSpPr>
-          <p:cNvPr id="4" name="Date Placeholder 3"/>
-          <p:cNvSpPr>
-            <a:spLocks noGrp="1"/>
-          </p:cNvSpPr>
-          <p:nvPr>
-            <p:ph type="dt" sz="half" idx="2"/>
-          </p:nvPr>
+            <a:endParaRPr lang="en-US" dirty="0"/>
+          </a:p>
+        </p:txBody>
+      </p:sp>
+      <p:sp>
+        <p:nvSpPr>
+          <p:cNvPr id="7" name="Rectangle 6"/>
+          <p:cNvSpPr/>
+          <p:nvPr/>
         </p:nvSpPr>
         <p:spPr>
           <a:xfrm>
-            <a:off x="457200" y="6356350"/>
-            <a:ext cx="2133600" cy="365125"/>
+            <a:off x="8458200" y="0"/>
+            <a:ext cx="685800" cy="6858000"/>
+          </a:xfrm>
+          <a:prstGeom prst="rect">
+            <a:avLst/>
+          </a:prstGeom>
+          <a:solidFill>
+            <a:schemeClr val="tx2"/>
+          </a:solidFill>
+          <a:ln>
+            <a:noFill/>
+          </a:ln>
+        </p:spPr>
+        <p:style>
+          <a:lnRef idx="2">
+            <a:schemeClr val="accent1">
+              <a:shade val="50000"/>
+            </a:schemeClr>
+          </a:lnRef>
+          <a:fillRef idx="1">
+            <a:schemeClr val="accent1"/>
+          </a:fillRef>
+          <a:effectRef idx="0">
+            <a:schemeClr val="accent1"/>
+          </a:effectRef>
+          <a:fontRef idx="minor">
+            <a:schemeClr val="lt1"/>
+          </a:fontRef>
+        </p:style>
+        <p:txBody>
+          <a:bodyPr rtlCol="0" anchor="ctr"/>
+          <a:lstStyle/>
+          <a:p>
+            <a:pPr algn="ctr"/>
+            <a:endParaRPr lang="en-US"/>
+          </a:p>
+        </p:txBody>
+      </p:sp>
+      <p:sp>
+        <p:nvSpPr>
+          <p:cNvPr id="8" name="Rectangle 7"/>
+          <p:cNvSpPr/>
+          <p:nvPr/>
+        </p:nvSpPr>
+        <p:spPr>
+          <a:xfrm>
+            <a:off x="8458200" y="5486400"/>
+            <a:ext cx="685800" cy="685800"/>
+          </a:xfrm>
+          <a:prstGeom prst="rect">
+            <a:avLst/>
+          </a:prstGeom>
+          <a:solidFill>
+            <a:schemeClr val="accent1"/>
+          </a:solidFill>
+          <a:ln>
+            <a:noFill/>
+          </a:ln>
+        </p:spPr>
+        <p:style>
+          <a:lnRef idx="2">
+            <a:schemeClr val="accent1">
+              <a:shade val="50000"/>
+            </a:schemeClr>
+          </a:lnRef>
+          <a:fillRef idx="1">
+            <a:schemeClr val="accent1"/>
+          </a:fillRef>
+          <a:effectRef idx="0">
+            <a:schemeClr val="accent1"/>
+          </a:effectRef>
+          <a:fontRef idx="minor">
+            <a:schemeClr val="lt1"/>
+          </a:fontRef>
+        </p:style>
+        <p:txBody>
+          <a:bodyPr rtlCol="0" anchor="ctr"/>
+          <a:lstStyle/>
+          <a:p>
+            <a:pPr algn="ctr"/>
+            <a:endParaRPr lang="en-US"/>
+          </a:p>
+        </p:txBody>
+      </p:sp>
+      <p:sp>
+        <p:nvSpPr>
+          <p:cNvPr id="6" name="Slide Number Placeholder 5"/>
+          <p:cNvSpPr>
+            <a:spLocks noGrp="1"/>
+          </p:cNvSpPr>
+          <p:nvPr>
+            <p:ph type="sldNum" sz="quarter" idx="4"/>
+          </p:nvPr>
+        </p:nvSpPr>
+        <p:spPr>
+          <a:xfrm>
+            <a:off x="8531788" y="5648960"/>
+            <a:ext cx="548640" cy="396240"/>
+          </a:xfrm>
+          <a:prstGeom prst="bracketPair">
+            <a:avLst>
+              <a:gd name="adj" fmla="val 17949"/>
+            </a:avLst>
+          </a:prstGeom>
+          <a:ln w="19050">
+            <a:solidFill>
+              <a:srgbClr val="FFFFFF"/>
+            </a:solidFill>
+          </a:ln>
+        </p:spPr>
+        <p:txBody>
+          <a:bodyPr vert="horz" lIns="0" tIns="0" rIns="0" bIns="0" rtlCol="0" anchor="ctr"/>
+          <a:lstStyle>
+            <a:lvl1pPr algn="ctr">
+              <a:defRPr sz="1800">
+                <a:solidFill>
+                  <a:srgbClr val="FFFFFF"/>
+                </a:solidFill>
+              </a:defRPr>
+            </a:lvl1pPr>
+          </a:lstStyle>
+          <a:p>
+            <a:fld id="{42E3368E-313F-4933-8428-B3B204247A62}" type="slidenum">
+              <a:rPr lang="en-US" smtClean="0"/>
+              <a:pPr/>
+              <a:t>‹#›</a:t>
+            </a:fld>
+            <a:endParaRPr lang="en-US"/>
+          </a:p>
+        </p:txBody>
+      </p:sp>
+      <p:sp>
+        <p:nvSpPr>
+          <p:cNvPr id="5" name="Footer Placeholder 4"/>
+          <p:cNvSpPr>
+            <a:spLocks noGrp="1"/>
+          </p:cNvSpPr>
+          <p:nvPr>
+            <p:ph type="ftr" sz="quarter" idx="3"/>
+          </p:nvPr>
+        </p:nvSpPr>
+        <p:spPr>
+          <a:xfrm rot="16200000">
+            <a:off x="7586910" y="4048760"/>
+            <a:ext cx="2367281" cy="365760"/>
           </a:xfrm>
           <a:prstGeom prst="rect">
             <a:avLst/>
@@ -3391,40 +3587,33 @@
         <p:txBody>
           <a:bodyPr vert="horz" lIns="91440" tIns="45720" rIns="91440" bIns="45720" rtlCol="0" anchor="ctr"/>
           <a:lstStyle>
-            <a:lvl1pPr algn="l">
+            <a:lvl1pPr algn="r">
               <a:defRPr sz="1200">
                 <a:solidFill>
-                  <a:schemeClr val="tx1">
-                    <a:tint val="75000"/>
-                  </a:schemeClr>
+                  <a:schemeClr val="bg2"/>
                 </a:solidFill>
               </a:defRPr>
             </a:lvl1pPr>
           </a:lstStyle>
           <a:p>
-            <a:fld id="{E1E2796B-1EEB-4626-8557-99B1C86D454B}" type="datetimeFigureOut">
-              <a:rPr lang="en-US" smtClean="0"/>
-              <a:pPr/>
-              <a:t>8/12/2010</a:t>
-            </a:fld>
             <a:endParaRPr lang="en-US"/>
           </a:p>
         </p:txBody>
       </p:sp>
       <p:sp>
         <p:nvSpPr>
-          <p:cNvPr id="5" name="Footer Placeholder 4"/>
-          <p:cNvSpPr>
-            <a:spLocks noGrp="1"/>
-          </p:cNvSpPr>
-          <p:nvPr>
-            <p:ph type="ftr" sz="quarter" idx="3"/>
+          <p:cNvPr id="4" name="Date Placeholder 3"/>
+          <p:cNvSpPr>
+            <a:spLocks noGrp="1"/>
+          </p:cNvSpPr>
+          <p:nvPr>
+            <p:ph type="dt" sz="half" idx="2"/>
           </p:nvPr>
         </p:nvSpPr>
         <p:spPr>
-          <a:xfrm>
-            <a:off x="3124200" y="6356350"/>
-            <a:ext cx="2895600" cy="365125"/>
+          <a:xfrm rot="16200000">
+            <a:off x="7551351" y="1645920"/>
+            <a:ext cx="2438399" cy="365760"/>
           </a:xfrm>
           <a:prstGeom prst="rect">
             <a:avLst/>
@@ -3433,95 +3622,55 @@
         <p:txBody>
           <a:bodyPr vert="horz" lIns="91440" tIns="45720" rIns="91440" bIns="45720" rtlCol="0" anchor="ctr"/>
           <a:lstStyle>
-            <a:lvl1pPr algn="ctr">
+            <a:lvl1pPr algn="l">
               <a:defRPr sz="1200">
                 <a:solidFill>
-                  <a:schemeClr val="tx1">
-                    <a:tint val="75000"/>
-                  </a:schemeClr>
+                  <a:schemeClr val="bg2"/>
                 </a:solidFill>
               </a:defRPr>
             </a:lvl1pPr>
           </a:lstStyle>
           <a:p>
-            <a:endParaRPr lang="en-US"/>
-          </a:p>
-        </p:txBody>
-      </p:sp>
-      <p:sp>
-        <p:nvSpPr>
-          <p:cNvPr id="6" name="Slide Number Placeholder 5"/>
-          <p:cNvSpPr>
-            <a:spLocks noGrp="1"/>
-          </p:cNvSpPr>
-          <p:nvPr>
-            <p:ph type="sldNum" sz="quarter" idx="4"/>
-          </p:nvPr>
-        </p:nvSpPr>
-        <p:spPr>
-          <a:xfrm>
-            <a:off x="6553200" y="6356350"/>
-            <a:ext cx="2133600" cy="365125"/>
-          </a:xfrm>
-          <a:prstGeom prst="rect">
-            <a:avLst/>
-          </a:prstGeom>
-        </p:spPr>
-        <p:txBody>
-          <a:bodyPr vert="horz" lIns="91440" tIns="45720" rIns="91440" bIns="45720" rtlCol="0" anchor="ctr"/>
-          <a:lstStyle>
-            <a:lvl1pPr algn="r">
-              <a:defRPr sz="1200">
-                <a:solidFill>
-                  <a:schemeClr val="tx1">
-                    <a:tint val="75000"/>
-                  </a:schemeClr>
-                </a:solidFill>
-              </a:defRPr>
-            </a:lvl1pPr>
-          </a:lstStyle>
-          <a:p>
-            <a:fld id="{42E3368E-313F-4933-8428-B3B204247A62}" type="slidenum">
+            <a:fld id="{E1E2796B-1EEB-4626-8557-99B1C86D454B}" type="datetimeFigureOut">
               <a:rPr lang="en-US" smtClean="0"/>
               <a:pPr/>
-              <a:t>‹nr.›</a:t>
+              <a:t>8/12/2010</a:t>
             </a:fld>
             <a:endParaRPr lang="en-US"/>
           </a:p>
         </p:txBody>
       </p:sp>
     </p:spTree>
-    <p:extLst>
-      <p:ext uri="{BB962C8B-B14F-4D97-AF65-F5344CB8AC3E}">
-        <p14:creationId xmlns:p14="http://schemas.microsoft.com/office/powerpoint/2010/main" xmlns="" val="2901178055"/>
-      </p:ext>
-    </p:extLst>
   </p:cSld>
   <p:clrMap bg1="lt1" tx1="dk1" bg2="lt2" tx2="dk2" accent1="accent1" accent2="accent2" accent3="accent3" accent4="accent4" accent5="accent5" accent6="accent6" hlink="hlink" folHlink="folHlink"/>
   <p:sldLayoutIdLst>
-    <p:sldLayoutId id="2147483649" r:id="rId1"/>
-    <p:sldLayoutId id="2147483650" r:id="rId2"/>
-    <p:sldLayoutId id="2147483651" r:id="rId3"/>
-    <p:sldLayoutId id="2147483652" r:id="rId4"/>
-    <p:sldLayoutId id="2147483653" r:id="rId5"/>
-    <p:sldLayoutId id="2147483654" r:id="rId6"/>
-    <p:sldLayoutId id="2147483655" r:id="rId7"/>
-    <p:sldLayoutId id="2147483656" r:id="rId8"/>
-    <p:sldLayoutId id="2147483657" r:id="rId9"/>
-    <p:sldLayoutId id="2147483658" r:id="rId10"/>
-    <p:sldLayoutId id="2147483659" r:id="rId11"/>
+    <p:sldLayoutId id="2147483661" r:id="rId1"/>
+    <p:sldLayoutId id="2147483662" r:id="rId2"/>
+    <p:sldLayoutId id="2147483663" r:id="rId3"/>
+    <p:sldLayoutId id="2147483664" r:id="rId4"/>
+    <p:sldLayoutId id="2147483665" r:id="rId5"/>
+    <p:sldLayoutId id="2147483666" r:id="rId6"/>
+    <p:sldLayoutId id="2147483667" r:id="rId7"/>
+    <p:sldLayoutId id="2147483668" r:id="rId8"/>
+    <p:sldLayoutId id="2147483669" r:id="rId9"/>
+    <p:sldLayoutId id="2147483670" r:id="rId10"/>
+    <p:sldLayoutId id="2147483671" r:id="rId11"/>
   </p:sldLayoutIdLst>
   <p:txStyles>
     <p:titleStyle>
-      <a:lvl1pPr algn="ctr" defTabSz="914400" rtl="0" eaLnBrk="1" latinLnBrk="0" hangingPunct="1">
+      <a:lvl1pPr algn="l" defTabSz="914400" rtl="0" eaLnBrk="1" latinLnBrk="0" hangingPunct="1">
         <a:spcBef>
           <a:spcPct val="0"/>
         </a:spcBef>
         <a:buNone/>
-        <a:defRPr sz="4400" kern="1200">
+        <a:defRPr sz="4600" kern="1200" cap="none" spc="-100" baseline="0">
+          <a:ln>
+            <a:noFill/>
+          </a:ln>
           <a:solidFill>
-            <a:schemeClr val="tx1"/>
+            <a:schemeClr val="tx2"/>
           </a:solidFill>
+          <a:effectLst/>
           <a:latin typeface="+mj-lt"/>
           <a:ea typeface="+mj-ea"/>
           <a:cs typeface="+mj-cs"/>
@@ -3529,13 +3678,16 @@
       </a:lvl1pPr>
     </p:titleStyle>
     <p:bodyStyle>
-      <a:lvl1pPr marL="342900" indent="-342900" algn="l" defTabSz="914400" rtl="0" eaLnBrk="1" latinLnBrk="0" hangingPunct="1">
+      <a:lvl1pPr marL="342900" indent="-228600" algn="l" defTabSz="914400" rtl="0" eaLnBrk="1" latinLnBrk="0" hangingPunct="1">
         <a:spcBef>
           <a:spcPct val="20000"/>
         </a:spcBef>
+        <a:buClr>
+          <a:schemeClr val="accent1"/>
+        </a:buClr>
         <a:buFont typeface="Arial" pitchFamily="34" charset="0"/>
         <a:buChar char="•"/>
-        <a:defRPr sz="3200" kern="1200">
+        <a:defRPr sz="2200" kern="1200">
           <a:solidFill>
             <a:schemeClr val="tx1"/>
           </a:solidFill>
@@ -3544,70 +3696,13 @@
           <a:cs typeface="+mn-cs"/>
         </a:defRPr>
       </a:lvl1pPr>
-      <a:lvl2pPr marL="742950" indent="-285750" algn="l" defTabSz="914400" rtl="0" eaLnBrk="1" latinLnBrk="0" hangingPunct="1">
+      <a:lvl2pPr marL="640080" indent="-228600" algn="l" defTabSz="914400" rtl="0" eaLnBrk="1" latinLnBrk="0" hangingPunct="1">
         <a:spcBef>
           <a:spcPct val="20000"/>
         </a:spcBef>
-        <a:buFont typeface="Arial" pitchFamily="34" charset="0"/>
-        <a:buChar char="–"/>
-        <a:defRPr sz="2800" kern="1200">
-          <a:solidFill>
-            <a:schemeClr val="tx1"/>
-          </a:solidFill>
-          <a:latin typeface="+mn-lt"/>
-          <a:ea typeface="+mn-ea"/>
-          <a:cs typeface="+mn-cs"/>
-        </a:defRPr>
-      </a:lvl2pPr>
-      <a:lvl3pPr marL="1143000" indent="-228600" algn="l" defTabSz="914400" rtl="0" eaLnBrk="1" latinLnBrk="0" hangingPunct="1">
-        <a:spcBef>
-          <a:spcPct val="20000"/>
-        </a:spcBef>
-        <a:buFont typeface="Arial" pitchFamily="34" charset="0"/>
-        <a:buChar char="•"/>
-        <a:defRPr sz="2400" kern="1200">
-          <a:solidFill>
-            <a:schemeClr val="tx1"/>
-          </a:solidFill>
-          <a:latin typeface="+mn-lt"/>
-          <a:ea typeface="+mn-ea"/>
-          <a:cs typeface="+mn-cs"/>
-        </a:defRPr>
-      </a:lvl3pPr>
-      <a:lvl4pPr marL="1600200" indent="-228600" algn="l" defTabSz="914400" rtl="0" eaLnBrk="1" latinLnBrk="0" hangingPunct="1">
-        <a:spcBef>
-          <a:spcPct val="20000"/>
-        </a:spcBef>
-        <a:buFont typeface="Arial" pitchFamily="34" charset="0"/>
-        <a:buChar char="–"/>
-        <a:defRPr sz="2000" kern="1200">
-          <a:solidFill>
-            <a:schemeClr val="tx1"/>
-          </a:solidFill>
-          <a:latin typeface="+mn-lt"/>
-          <a:ea typeface="+mn-ea"/>
-          <a:cs typeface="+mn-cs"/>
-        </a:defRPr>
-      </a:lvl4pPr>
-      <a:lvl5pPr marL="2057400" indent="-228600" algn="l" defTabSz="914400" rtl="0" eaLnBrk="1" latinLnBrk="0" hangingPunct="1">
-        <a:spcBef>
-          <a:spcPct val="20000"/>
-        </a:spcBef>
-        <a:buFont typeface="Arial" pitchFamily="34" charset="0"/>
-        <a:buChar char="»"/>
-        <a:defRPr sz="2000" kern="1200">
-          <a:solidFill>
-            <a:schemeClr val="tx1"/>
-          </a:solidFill>
-          <a:latin typeface="+mn-lt"/>
-          <a:ea typeface="+mn-ea"/>
-          <a:cs typeface="+mn-cs"/>
-        </a:defRPr>
-      </a:lvl5pPr>
-      <a:lvl6pPr marL="2514600" indent="-228600" algn="l" defTabSz="914400" rtl="0" eaLnBrk="1" latinLnBrk="0" hangingPunct="1">
-        <a:spcBef>
-          <a:spcPct val="20000"/>
-        </a:spcBef>
+        <a:buClr>
+          <a:schemeClr val="accent2"/>
+        </a:buClr>
         <a:buFont typeface="Arial" pitchFamily="34" charset="0"/>
         <a:buChar char="•"/>
         <a:defRPr sz="2000" kern="1200">
@@ -3618,14 +3713,89 @@
           <a:ea typeface="+mn-ea"/>
           <a:cs typeface="+mn-cs"/>
         </a:defRPr>
-      </a:lvl6pPr>
-      <a:lvl7pPr marL="2971800" indent="-228600" algn="l" defTabSz="914400" rtl="0" eaLnBrk="1" latinLnBrk="0" hangingPunct="1">
+      </a:lvl2pPr>
+      <a:lvl3pPr marL="1005840" indent="-228600" algn="l" defTabSz="914400" rtl="0" eaLnBrk="1" latinLnBrk="0" hangingPunct="1">
         <a:spcBef>
           <a:spcPct val="20000"/>
         </a:spcBef>
+        <a:buClr>
+          <a:schemeClr val="accent3"/>
+        </a:buClr>
         <a:buFont typeface="Arial" pitchFamily="34" charset="0"/>
         <a:buChar char="•"/>
-        <a:defRPr sz="2000" kern="1200">
+        <a:defRPr sz="1800" kern="1200">
+          <a:solidFill>
+            <a:schemeClr val="tx1"/>
+          </a:solidFill>
+          <a:latin typeface="+mn-lt"/>
+          <a:ea typeface="+mn-ea"/>
+          <a:cs typeface="+mn-cs"/>
+        </a:defRPr>
+      </a:lvl3pPr>
+      <a:lvl4pPr marL="1280160" indent="-228600" algn="l" defTabSz="914400" rtl="0" eaLnBrk="1" latinLnBrk="0" hangingPunct="1">
+        <a:spcBef>
+          <a:spcPct val="20000"/>
+        </a:spcBef>
+        <a:buClr>
+          <a:schemeClr val="accent4"/>
+        </a:buClr>
+        <a:buFont typeface="Arial" pitchFamily="34" charset="0"/>
+        <a:buChar char="•"/>
+        <a:defRPr sz="1600" kern="1200">
+          <a:solidFill>
+            <a:schemeClr val="tx1"/>
+          </a:solidFill>
+          <a:latin typeface="+mn-lt"/>
+          <a:ea typeface="+mn-ea"/>
+          <a:cs typeface="+mn-cs"/>
+        </a:defRPr>
+      </a:lvl4pPr>
+      <a:lvl5pPr marL="1554480" indent="-228600" algn="l" defTabSz="914400" rtl="0" eaLnBrk="1" latinLnBrk="0" hangingPunct="1">
+        <a:spcBef>
+          <a:spcPct val="20000"/>
+        </a:spcBef>
+        <a:buClr>
+          <a:schemeClr val="accent5"/>
+        </a:buClr>
+        <a:buFont typeface="Arial" pitchFamily="34" charset="0"/>
+        <a:buChar char="•"/>
+        <a:defRPr sz="1400" kern="1200" baseline="0">
+          <a:solidFill>
+            <a:schemeClr val="tx1"/>
+          </a:solidFill>
+          <a:latin typeface="+mn-lt"/>
+          <a:ea typeface="+mn-ea"/>
+          <a:cs typeface="+mn-cs"/>
+        </a:defRPr>
+      </a:lvl5pPr>
+      <a:lvl6pPr marL="1737360" indent="-182880" algn="l" defTabSz="914400" rtl="0" eaLnBrk="1" latinLnBrk="0" hangingPunct="1">
+        <a:spcBef>
+          <a:spcPct val="20000"/>
+        </a:spcBef>
+        <a:buClr>
+          <a:schemeClr val="accent1"/>
+        </a:buClr>
+        <a:buFont typeface="Arial" pitchFamily="34" charset="0"/>
+        <a:buChar char="•"/>
+        <a:defRPr sz="1400" kern="1200" baseline="0">
+          <a:solidFill>
+            <a:schemeClr val="tx1"/>
+          </a:solidFill>
+          <a:latin typeface="+mn-lt"/>
+          <a:ea typeface="+mn-ea"/>
+          <a:cs typeface="+mn-cs"/>
+        </a:defRPr>
+      </a:lvl6pPr>
+      <a:lvl7pPr marL="1920240" indent="-182880" algn="l" defTabSz="914400" rtl="0" eaLnBrk="1" latinLnBrk="0" hangingPunct="1">
+        <a:spcBef>
+          <a:spcPct val="20000"/>
+        </a:spcBef>
+        <a:buClr>
+          <a:schemeClr val="accent2"/>
+        </a:buClr>
+        <a:buFont typeface="Arial" pitchFamily="34" charset="0"/>
+        <a:buChar char="•"/>
+        <a:defRPr sz="1400" kern="1200">
           <a:solidFill>
             <a:schemeClr val="tx1"/>
           </a:solidFill>
@@ -3634,13 +3804,16 @@
           <a:cs typeface="+mn-cs"/>
         </a:defRPr>
       </a:lvl7pPr>
-      <a:lvl8pPr marL="3429000" indent="-228600" algn="l" defTabSz="914400" rtl="0" eaLnBrk="1" latinLnBrk="0" hangingPunct="1">
+      <a:lvl8pPr marL="2103120" indent="-182880" algn="l" defTabSz="914400" rtl="0" eaLnBrk="1" latinLnBrk="0" hangingPunct="1">
         <a:spcBef>
           <a:spcPct val="20000"/>
         </a:spcBef>
+        <a:buClr>
+          <a:schemeClr val="accent3"/>
+        </a:buClr>
         <a:buFont typeface="Arial" pitchFamily="34" charset="0"/>
         <a:buChar char="•"/>
-        <a:defRPr sz="2000" kern="1200">
+        <a:defRPr sz="1400" kern="1200">
           <a:solidFill>
             <a:schemeClr val="tx1"/>
           </a:solidFill>
@@ -3649,13 +3822,16 @@
           <a:cs typeface="+mn-cs"/>
         </a:defRPr>
       </a:lvl8pPr>
-      <a:lvl9pPr marL="3886200" indent="-228600" algn="l" defTabSz="914400" rtl="0" eaLnBrk="1" latinLnBrk="0" hangingPunct="1">
+      <a:lvl9pPr marL="2286000" indent="-182880" algn="l" defTabSz="914400" rtl="0" eaLnBrk="1" latinLnBrk="0" hangingPunct="1">
         <a:spcBef>
           <a:spcPct val="20000"/>
         </a:spcBef>
+        <a:buClr>
+          <a:schemeClr val="accent4"/>
+        </a:buClr>
         <a:buFont typeface="Arial" pitchFamily="34" charset="0"/>
         <a:buChar char="•"/>
-        <a:defRPr sz="2000" kern="1200">
+        <a:defRPr sz="1400" kern="1200">
           <a:solidFill>
             <a:schemeClr val="tx1"/>
           </a:solidFill>
@@ -3832,7 +4008,7 @@
     </p:spTree>
     <p:extLst>
       <p:ext uri="{BB962C8B-B14F-4D97-AF65-F5344CB8AC3E}">
-        <p14:creationId xmlns:p14="http://schemas.microsoft.com/office/powerpoint/2010/main" xmlns="" val="713264880"/>
+        <p14:creationId xmlns:p14="http://schemas.microsoft.com/office/powerpoint/2010/main" val="713264880"/>
       </p:ext>
     </p:extLst>
   </p:cSld>
@@ -3986,7 +4162,6 @@
               <a:rPr lang="en-US" dirty="0" smtClean="0"/>
               <a:t>Design</a:t>
             </a:r>
-            <a:endParaRPr lang="en-US" dirty="0" smtClean="0"/>
           </a:p>
           <a:p>
             <a:r>
@@ -4017,7 +4192,7 @@
     </p:spTree>
     <p:extLst>
       <p:ext uri="{BB962C8B-B14F-4D97-AF65-F5344CB8AC3E}">
-        <p14:creationId xmlns:p14="http://schemas.microsoft.com/office/powerpoint/2010/main" xmlns="" val="3979159548"/>
+        <p14:creationId xmlns:p14="http://schemas.microsoft.com/office/powerpoint/2010/main" val="3979159548"/>
       </p:ext>
     </p:extLst>
   </p:cSld>
@@ -4291,7 +4466,7 @@
           <a:blip r:embed="rId2" cstate="print">
             <a:extLst>
               <a:ext uri="{28A0092B-C50C-407E-A947-70E740481C1C}">
-                <a14:useLocalDpi xmlns="" xmlns:wpc="http://schemas.microsoft.com/office/word/2010/wordprocessingCanvas" xmlns:mc="http://schemas.openxmlformats.org/markup-compatibility/2006" xmlns:o="urn:schemas-microsoft-com:office:office" xmlns:m="http://schemas.openxmlformats.org/officeDocument/2006/math" xmlns:v="urn:schemas-microsoft-com:vml" xmlns:wp14="http://schemas.microsoft.com/office/word/2010/wordprocessingDrawing" xmlns:wp="http://schemas.openxmlformats.org/drawingml/2006/wordprocessingDrawing" xmlns:w10="urn:schemas-microsoft-com:office:word" xmlns:w="http://schemas.openxmlformats.org/wordprocessingml/2006/main" xmlns:w14="http://schemas.microsoft.com/office/word/2010/wordml" xmlns:wpg="http://schemas.microsoft.com/office/word/2010/wordprocessingGroup" xmlns:wpi="http://schemas.microsoft.com/office/word/2010/wordprocessingInk" xmlns:wne="http://schemas.microsoft.com/office/word/2006/wordml" xmlns:wps="http://schemas.microsoft.com/office/word/2010/wordprocessingShape" xmlns:a14="http://schemas.microsoft.com/office/drawing/2010/main" xmlns:pic="http://schemas.openxmlformats.org/drawingml/2006/picture" xmlns:lc="http://schemas.openxmlformats.org/drawingml/2006/lockedCanvas" val="0"/>
+                <a14:useLocalDpi xmlns:a14="http://schemas.microsoft.com/office/drawing/2010/main" val="0"/>
               </a:ext>
             </a:extLst>
           </a:blip>
@@ -4379,8 +4554,27 @@
           <a:p>
             <a:r>
               <a:rPr lang="sv-SE" dirty="0" smtClean="0"/>
-              <a:t>Perception method</a:t>
-            </a:r>
+              <a:t>Perception </a:t>
+            </a:r>
+            <a:r>
+              <a:rPr lang="sv-SE" dirty="0" smtClean="0"/>
+              <a:t>method</a:t>
+            </a:r>
+          </a:p>
+          <a:p>
+            <a:pPr lvl="1"/>
+            <a:r>
+              <a:rPr lang="sv-SE" dirty="0" smtClean="0"/>
+              <a:t>Perception</a:t>
+            </a:r>
+          </a:p>
+          <a:p>
+            <a:pPr lvl="1"/>
+            <a:r>
+              <a:rPr lang="sv-SE" dirty="0" smtClean="0"/>
+              <a:t>Warp Perception</a:t>
+            </a:r>
+            <a:endParaRPr lang="sv-SE" dirty="0" smtClean="0"/>
           </a:p>
           <a:p>
             <a:endParaRPr lang="da-DK" dirty="0"/>
@@ -4486,7 +4680,7 @@
           <a:blip r:embed="rId2" cstate="print">
             <a:extLst>
               <a:ext uri="{28A0092B-C50C-407E-A947-70E740481C1C}">
-                <a14:useLocalDpi xmlns="" xmlns:wpc="http://schemas.microsoft.com/office/word/2010/wordprocessingCanvas" xmlns:mc="http://schemas.openxmlformats.org/markup-compatibility/2006" xmlns:o="urn:schemas-microsoft-com:office:office" xmlns:m="http://schemas.openxmlformats.org/officeDocument/2006/math" xmlns:v="urn:schemas-microsoft-com:vml" xmlns:wp14="http://schemas.microsoft.com/office/word/2010/wordprocessingDrawing" xmlns:wp="http://schemas.openxmlformats.org/drawingml/2006/wordprocessingDrawing" xmlns:w10="urn:schemas-microsoft-com:office:word" xmlns:w="http://schemas.openxmlformats.org/wordprocessingml/2006/main" xmlns:w14="http://schemas.microsoft.com/office/word/2010/wordml" xmlns:wpg="http://schemas.microsoft.com/office/word/2010/wordprocessingGroup" xmlns:wpi="http://schemas.microsoft.com/office/word/2010/wordprocessingInk" xmlns:wne="http://schemas.microsoft.com/office/word/2006/wordml" xmlns:wps="http://schemas.microsoft.com/office/word/2010/wordprocessingShape" xmlns:a14="http://schemas.microsoft.com/office/drawing/2010/main" xmlns:pic="http://schemas.openxmlformats.org/drawingml/2006/picture" xmlns:lc="http://schemas.openxmlformats.org/drawingml/2006/lockedCanvas" val="0"/>
+                <a14:useLocalDpi xmlns:a14="http://schemas.microsoft.com/office/drawing/2010/main" val="0"/>
               </a:ext>
             </a:extLst>
           </a:blip>
@@ -4686,52 +4880,52 @@
 </file>
 
 <file path=ppt/theme/theme1.xml><?xml version="1.0" encoding="utf-8"?>
-<a:theme xmlns:a="http://schemas.openxmlformats.org/drawingml/2006/main" name="Office Theme">
+<a:theme xmlns:a="http://schemas.openxmlformats.org/drawingml/2006/main" name="Adjacency">
   <a:themeElements>
-    <a:clrScheme name="Office">
+    <a:clrScheme name="Adjacency">
       <a:dk1>
-        <a:sysClr val="windowText" lastClr="000000"/>
+        <a:srgbClr val="2F2B20"/>
       </a:dk1>
       <a:lt1>
-        <a:sysClr val="window" lastClr="FFFFFF"/>
+        <a:srgbClr val="FFFFFF"/>
       </a:lt1>
       <a:dk2>
-        <a:srgbClr val="1F497D"/>
+        <a:srgbClr val="675E47"/>
       </a:dk2>
       <a:lt2>
-        <a:srgbClr val="EEECE1"/>
+        <a:srgbClr val="DFDCB7"/>
       </a:lt2>
       <a:accent1>
-        <a:srgbClr val="4F81BD"/>
+        <a:srgbClr val="A9A57C"/>
       </a:accent1>
       <a:accent2>
-        <a:srgbClr val="C0504D"/>
+        <a:srgbClr val="9CBEBD"/>
       </a:accent2>
       <a:accent3>
-        <a:srgbClr val="9BBB59"/>
+        <a:srgbClr val="D2CB6C"/>
       </a:accent3>
       <a:accent4>
-        <a:srgbClr val="8064A2"/>
+        <a:srgbClr val="95A39D"/>
       </a:accent4>
       <a:accent5>
-        <a:srgbClr val="4BACC6"/>
+        <a:srgbClr val="C89F5D"/>
       </a:accent5>
       <a:accent6>
-        <a:srgbClr val="F79646"/>
+        <a:srgbClr val="B1A089"/>
       </a:accent6>
       <a:hlink>
-        <a:srgbClr val="0000FF"/>
+        <a:srgbClr val="D25814"/>
       </a:hlink>
       <a:folHlink>
-        <a:srgbClr val="800080"/>
+        <a:srgbClr val="849A0A"/>
       </a:folHlink>
     </a:clrScheme>
     <a:fontScheme name="Office">
       <a:majorFont>
-        <a:latin typeface="Calibri"/>
+        <a:latin typeface="Cambria"/>
         <a:ea typeface=""/>
         <a:cs typeface=""/>
-        <a:font script="Jpan" typeface="ＭＳ Ｐゴシック"/>
+        <a:font script="Jpan" typeface="ＭＳ ゴシック"/>
         <a:font script="Hang" typeface="맑은 고딕"/>
         <a:font script="Hans" typeface="宋体"/>
         <a:font script="Hant" typeface="新細明體"/>
@@ -4766,7 +4960,7 @@
         <a:latin typeface="Calibri"/>
         <a:ea typeface=""/>
         <a:cs typeface=""/>
-        <a:font script="Jpan" typeface="ＭＳ Ｐゴシック"/>
+        <a:font script="Jpan" typeface="ＭＳ 明朝"/>
         <a:font script="Hang" typeface="맑은 고딕"/>
         <a:font script="Hans" typeface="宋体"/>
         <a:font script="Hant" typeface="新細明體"/>
@@ -4798,60 +4992,22 @@
         <a:font script="Geor" typeface="Sylfaen"/>
       </a:minorFont>
     </a:fontScheme>
-    <a:fmtScheme name="Office">
+    <a:fmtScheme name="Adjacency">
       <a:fillStyleLst>
         <a:solidFill>
           <a:schemeClr val="phClr"/>
         </a:solidFill>
-        <a:gradFill rotWithShape="1">
-          <a:gsLst>
-            <a:gs pos="0">
-              <a:schemeClr val="phClr">
-                <a:tint val="50000"/>
-                <a:satMod val="300000"/>
-              </a:schemeClr>
-            </a:gs>
-            <a:gs pos="35000">
-              <a:schemeClr val="phClr">
-                <a:tint val="37000"/>
-                <a:satMod val="300000"/>
-              </a:schemeClr>
-            </a:gs>
-            <a:gs pos="100000">
-              <a:schemeClr val="phClr">
-                <a:tint val="15000"/>
-                <a:satMod val="350000"/>
-              </a:schemeClr>
-            </a:gs>
-          </a:gsLst>
-          <a:lin ang="16200000" scaled="1"/>
-        </a:gradFill>
-        <a:gradFill rotWithShape="1">
-          <a:gsLst>
-            <a:gs pos="0">
-              <a:schemeClr val="phClr">
-                <a:shade val="51000"/>
-                <a:satMod val="130000"/>
-              </a:schemeClr>
-            </a:gs>
-            <a:gs pos="80000">
-              <a:schemeClr val="phClr">
-                <a:shade val="93000"/>
-                <a:satMod val="130000"/>
-              </a:schemeClr>
-            </a:gs>
-            <a:gs pos="100000">
-              <a:schemeClr val="phClr">
-                <a:shade val="94000"/>
-                <a:satMod val="135000"/>
-              </a:schemeClr>
-            </a:gs>
-          </a:gsLst>
-          <a:lin ang="16200000" scaled="0"/>
-        </a:gradFill>
+        <a:solidFill>
+          <a:schemeClr val="phClr">
+            <a:tint val="55000"/>
+          </a:schemeClr>
+        </a:solidFill>
+        <a:solidFill>
+          <a:schemeClr val="phClr"/>
+        </a:solidFill>
       </a:fillStyleLst>
       <a:lnStyleLst>
-        <a:ln w="9525" cap="flat" cmpd="sng" algn="ctr">
+        <a:ln w="12700" cap="flat" cmpd="sng" algn="ctr">
           <a:solidFill>
             <a:schemeClr val="phClr">
               <a:shade val="95000"/>
@@ -4875,41 +5031,35 @@
       </a:lnStyleLst>
       <a:effectStyleLst>
         <a:effectStyle>
+          <a:effectLst/>
+        </a:effectStyle>
+        <a:effectStyle>
           <a:effectLst>
-            <a:outerShdw blurRad="40000" dist="20000" dir="5400000" rotWithShape="0">
+            <a:outerShdw blurRad="50800" dist="25400" algn="bl" rotWithShape="0">
               <a:srgbClr val="000000">
-                <a:alpha val="38000"/>
+                <a:alpha val="60000"/>
               </a:srgbClr>
             </a:outerShdw>
           </a:effectLst>
         </a:effectStyle>
         <a:effectStyle>
-          <a:effectLst>
-            <a:outerShdw blurRad="40000" dist="23000" dir="5400000" rotWithShape="0">
-              <a:srgbClr val="000000">
-                <a:alpha val="35000"/>
-              </a:srgbClr>
-            </a:outerShdw>
-          </a:effectLst>
-        </a:effectStyle>
-        <a:effectStyle>
-          <a:effectLst>
-            <a:outerShdw blurRad="40000" dist="23000" dir="5400000" rotWithShape="0">
-              <a:srgbClr val="000000">
-                <a:alpha val="35000"/>
-              </a:srgbClr>
-            </a:outerShdw>
-          </a:effectLst>
+          <a:effectLst/>
           <a:scene3d>
             <a:camera prst="orthographicFront">
               <a:rot lat="0" lon="0" rev="0"/>
             </a:camera>
-            <a:lightRig rig="threePt" dir="t">
-              <a:rot lat="0" lon="0" rev="1200000"/>
+            <a:lightRig rig="brightRoom" dir="tl">
+              <a:rot lat="0" lon="0" rev="1800000"/>
             </a:lightRig>
           </a:scene3d>
-          <a:sp3d>
-            <a:bevelT w="63500" h="25400"/>
+          <a:sp3d contourW="10160" prstMaterial="dkEdge">
+            <a:bevelT w="38100" h="50800" prst="angle"/>
+            <a:contourClr>
+              <a:schemeClr val="phClr">
+                <a:shade val="40000"/>
+                <a:satMod val="150000"/>
+              </a:schemeClr>
+            </a:contourClr>
           </a:sp3d>
         </a:effectStyle>
       </a:effectStyleLst>
@@ -4921,47 +5071,39 @@
           <a:gsLst>
             <a:gs pos="0">
               <a:schemeClr val="phClr">
-                <a:tint val="40000"/>
-                <a:satMod val="350000"/>
+                <a:tint val="90000"/>
               </a:schemeClr>
             </a:gs>
-            <a:gs pos="40000">
+            <a:gs pos="75000">
               <a:schemeClr val="phClr">
-                <a:tint val="45000"/>
-                <a:shade val="99000"/>
-                <a:satMod val="350000"/>
+                <a:shade val="100000"/>
+                <a:satMod val="115000"/>
               </a:schemeClr>
             </a:gs>
             <a:gs pos="100000">
               <a:schemeClr val="phClr">
-                <a:shade val="20000"/>
-                <a:satMod val="255000"/>
+                <a:shade val="70000"/>
+                <a:satMod val="130000"/>
               </a:schemeClr>
             </a:gs>
           </a:gsLst>
           <a:path path="circle">
-            <a:fillToRect l="50000" t="-80000" r="50000" b="180000"/>
+            <a:fillToRect l="20000" t="50000" r="100000" b="50000"/>
           </a:path>
         </a:gradFill>
-        <a:gradFill rotWithShape="1">
-          <a:gsLst>
-            <a:gs pos="0">
+        <a:blipFill rotWithShape="1">
+          <a:blip xmlns:r="http://schemas.openxmlformats.org/officeDocument/2006/relationships" r:embed="rId1">
+            <a:duotone>
               <a:schemeClr val="phClr">
-                <a:tint val="80000"/>
-                <a:satMod val="300000"/>
+                <a:tint val="97000"/>
               </a:schemeClr>
-            </a:gs>
-            <a:gs pos="100000">
               <a:schemeClr val="phClr">
-                <a:shade val="30000"/>
-                <a:satMod val="200000"/>
+                <a:shade val="96000"/>
               </a:schemeClr>
-            </a:gs>
-          </a:gsLst>
-          <a:path path="circle">
-            <a:fillToRect l="50000" t="50000" r="50000" b="50000"/>
-          </a:path>
-        </a:gradFill>
+            </a:duotone>
+          </a:blip>
+          <a:tile tx="0" ty="0" sx="32000" sy="32000" flip="none" algn="tl"/>
+        </a:blipFill>
       </a:bgFillStyleLst>
     </a:fmtScheme>
   </a:themeElements>
